--- a/AIS3 dragon security.pptx
+++ b/AIS3 dragon security.pptx
@@ -8,11 +8,11 @@
     <p:sldId id="263" r:id="rId2"/>
     <p:sldId id="257" r:id="rId3"/>
     <p:sldId id="260" r:id="rId4"/>
-    <p:sldId id="262" r:id="rId5"/>
-    <p:sldId id="267" r:id="rId6"/>
-    <p:sldId id="266" r:id="rId7"/>
-    <p:sldId id="264" r:id="rId8"/>
-    <p:sldId id="269" r:id="rId9"/>
+    <p:sldId id="277" r:id="rId5"/>
+    <p:sldId id="262" r:id="rId6"/>
+    <p:sldId id="267" r:id="rId7"/>
+    <p:sldId id="266" r:id="rId8"/>
+    <p:sldId id="264" r:id="rId9"/>
     <p:sldId id="271" r:id="rId10"/>
     <p:sldId id="273" r:id="rId11"/>
     <p:sldId id="274" r:id="rId12"/>
@@ -401,7 +401,7 @@
           <a:p>
             <a:fld id="{FF2D6938-D6E6-41FA-8798-4A982E8C5E4B}" type="datetimeFigureOut">
               <a:rPr lang="zh-TW" altLang="en-US" smtClean="0"/>
-              <a:t>2020/7/30</a:t>
+              <a:t>2020/7/31</a:t>
             </a:fld>
             <a:endParaRPr lang="zh-TW" altLang="en-US"/>
           </a:p>
@@ -609,7 +609,7 @@
           <a:p>
             <a:fld id="{FF2D6938-D6E6-41FA-8798-4A982E8C5E4B}" type="datetimeFigureOut">
               <a:rPr lang="zh-TW" altLang="en-US" smtClean="0"/>
-              <a:t>2020/7/30</a:t>
+              <a:t>2020/7/31</a:t>
             </a:fld>
             <a:endParaRPr lang="zh-TW" altLang="en-US"/>
           </a:p>
@@ -2325,7 +2325,7 @@
           <a:p>
             <a:fld id="{FF2D6938-D6E6-41FA-8798-4A982E8C5E4B}" type="datetimeFigureOut">
               <a:rPr lang="zh-TW" altLang="en-US" smtClean="0"/>
-              <a:t>2020/7/30</a:t>
+              <a:t>2020/7/31</a:t>
             </a:fld>
             <a:endParaRPr lang="zh-TW" altLang="en-US"/>
           </a:p>
@@ -2466,7 +2466,7 @@
           <a:p>
             <a:fld id="{FF2D6938-D6E6-41FA-8798-4A982E8C5E4B}" type="datetimeFigureOut">
               <a:rPr lang="zh-TW" altLang="en-US" smtClean="0"/>
-              <a:t>2020/7/30</a:t>
+              <a:t>2020/7/31</a:t>
             </a:fld>
             <a:endParaRPr lang="zh-TW" altLang="en-US"/>
           </a:p>
@@ -2579,7 +2579,7 @@
           <a:p>
             <a:fld id="{FF2D6938-D6E6-41FA-8798-4A982E8C5E4B}" type="datetimeFigureOut">
               <a:rPr lang="zh-TW" altLang="en-US" smtClean="0"/>
-              <a:t>2020/7/30</a:t>
+              <a:t>2020/7/31</a:t>
             </a:fld>
             <a:endParaRPr lang="zh-TW" altLang="en-US"/>
           </a:p>
@@ -2890,7 +2890,7 @@
           <a:p>
             <a:fld id="{FF2D6938-D6E6-41FA-8798-4A982E8C5E4B}" type="datetimeFigureOut">
               <a:rPr lang="zh-TW" altLang="en-US" smtClean="0"/>
-              <a:t>2020/7/30</a:t>
+              <a:t>2020/7/31</a:t>
             </a:fld>
             <a:endParaRPr lang="zh-TW" altLang="en-US"/>
           </a:p>
@@ -3178,7 +3178,7 @@
           <a:p>
             <a:fld id="{FF2D6938-D6E6-41FA-8798-4A982E8C5E4B}" type="datetimeFigureOut">
               <a:rPr lang="zh-TW" altLang="en-US" smtClean="0"/>
-              <a:t>2020/7/30</a:t>
+              <a:t>2020/7/31</a:t>
             </a:fld>
             <a:endParaRPr lang="zh-TW" altLang="en-US"/>
           </a:p>
@@ -3419,7 +3419,7 @@
           <a:p>
             <a:fld id="{FF2D6938-D6E6-41FA-8798-4A982E8C5E4B}" type="datetimeFigureOut">
               <a:rPr lang="zh-TW" altLang="en-US" smtClean="0"/>
-              <a:t>2020/7/30</a:t>
+              <a:t>2020/7/31</a:t>
             </a:fld>
             <a:endParaRPr lang="zh-TW" altLang="en-US"/>
           </a:p>
@@ -3851,7 +3851,7 @@
         <p:spPr>
           <a:xfrm>
             <a:off x="584956" y="1021342"/>
-            <a:ext cx="5415265" cy="923330"/>
+            <a:ext cx="6167073" cy="1015663"/>
           </a:xfrm>
           <a:prstGeom prst="rect">
             <a:avLst/>
@@ -3865,7 +3865,7 @@
           <a:lstStyle/>
           <a:p>
             <a:r>
-              <a:rPr kumimoji="1" lang="en" altLang="zh-TW" sz="5400" dirty="0">
+              <a:rPr kumimoji="1" lang="en" altLang="zh-TW" sz="6000" b="1" dirty="0">
                 <a:solidFill>
                   <a:schemeClr val="bg1">
                     <a:lumMod val="95000"/>
@@ -3876,7 +3876,7 @@
               </a:rPr>
               <a:t>Dragon Security</a:t>
             </a:r>
-            <a:endParaRPr lang="zh-TW" altLang="en-US" sz="5400" b="1" dirty="0">
+            <a:endParaRPr lang="zh-TW" altLang="en-US" sz="6000" b="1" dirty="0">
               <a:solidFill>
                 <a:schemeClr val="bg1">
                   <a:lumMod val="95000"/>
@@ -3902,8 +3902,8 @@
         </p:nvSpPr>
         <p:spPr>
           <a:xfrm>
-            <a:off x="584956" y="1902919"/>
-            <a:ext cx="3877985" cy="584775"/>
+            <a:off x="584956" y="2037005"/>
+            <a:ext cx="7479933" cy="584775"/>
           </a:xfrm>
           <a:prstGeom prst="rect">
             <a:avLst/>
@@ -3926,8 +3926,41 @@
                 <a:latin typeface="微軟正黑體" panose="020B0604030504040204" pitchFamily="34" charset="-120"/>
                 <a:ea typeface="微軟正黑體" panose="020B0604030504040204" pitchFamily="34" charset="-120"/>
               </a:rPr>
-              <a:t>軟體安全開發第五組</a:t>
-            </a:r>
+              <a:t>軟體開發安全第五組 </a:t>
+            </a:r>
+            <a:r>
+              <a:rPr kumimoji="1" lang="en-US" altLang="zh-TW" sz="3200" dirty="0">
+                <a:solidFill>
+                  <a:schemeClr val="bg1">
+                    <a:lumMod val="95000"/>
+                  </a:schemeClr>
+                </a:solidFill>
+                <a:latin typeface="微軟正黑體" panose="020B0604030504040204" pitchFamily="34" charset="-120"/>
+                <a:ea typeface="微軟正黑體" panose="020B0604030504040204" pitchFamily="34" charset="-120"/>
+              </a:rPr>
+              <a:t>&gt; </a:t>
+            </a:r>
+            <a:r>
+              <a:rPr kumimoji="1" lang="zh-TW" altLang="en-US" sz="3200" dirty="0">
+                <a:solidFill>
+                  <a:schemeClr val="bg1">
+                    <a:lumMod val="95000"/>
+                  </a:schemeClr>
+                </a:solidFill>
+                <a:latin typeface="微軟正黑體" panose="020B0604030504040204" pitchFamily="34" charset="-120"/>
+                <a:ea typeface="微軟正黑體" panose="020B0604030504040204" pitchFamily="34" charset="-120"/>
+              </a:rPr>
+              <a:t>資安開發一條龍</a:t>
+            </a:r>
+            <a:endParaRPr kumimoji="1" lang="en-US" altLang="zh-TW" sz="3200" dirty="0">
+              <a:solidFill>
+                <a:schemeClr val="bg1">
+                  <a:lumMod val="95000"/>
+                </a:schemeClr>
+              </a:solidFill>
+              <a:latin typeface="微軟正黑體" panose="020B0604030504040204" pitchFamily="34" charset="-120"/>
+              <a:ea typeface="微軟正黑體" panose="020B0604030504040204" pitchFamily="34" charset="-120"/>
+            </a:endParaRPr>
           </a:p>
         </p:txBody>
       </p:sp>
@@ -3975,8 +4008,8 @@
         </p:nvSpPr>
         <p:spPr>
           <a:xfrm>
-            <a:off x="594803" y="905523"/>
-            <a:ext cx="9552374" cy="830997"/>
+            <a:off x="758925" y="811738"/>
+            <a:ext cx="4868152" cy="1015663"/>
           </a:xfrm>
           <a:prstGeom prst="rect">
             <a:avLst/>
@@ -3990,11 +4023,11 @@
           <a:lstStyle/>
           <a:p>
             <a:r>
-              <a:rPr lang="zh-TW" altLang="en-US" sz="4800" dirty="0">
+              <a:rPr lang="zh-TW" altLang="en-US" sz="6000" b="1" dirty="0">
                 <a:latin typeface="微軟正黑體" panose="020B0604030504040204" pitchFamily="34" charset="-120"/>
                 <a:ea typeface="微軟正黑體" panose="020B0604030504040204" pitchFamily="34" charset="-120"/>
               </a:rPr>
-              <a:t>服務環境安全         弱點管理系統</a:t>
+              <a:t>服務環境安全</a:t>
             </a:r>
           </a:p>
         </p:txBody>
@@ -4050,52 +4083,6 @@
               </a:rPr>
               <a:t>下執行</a:t>
             </a:r>
-          </a:p>
-        </p:txBody>
-      </p:sp>
-      <p:sp>
-        <p:nvSpPr>
-          <p:cNvPr id="4" name="箭號: 左-右雙向 3">
-            <a:extLst>
-              <a:ext uri="{FF2B5EF4-FFF2-40B4-BE49-F238E27FC236}">
-                <a16:creationId xmlns:a16="http://schemas.microsoft.com/office/drawing/2014/main" id="{DA23EC6A-5369-4326-BDAA-5425F44AD78E}"/>
-              </a:ext>
-            </a:extLst>
-          </p:cNvPr>
-          <p:cNvSpPr/>
-          <p:nvPr/>
-        </p:nvSpPr>
-        <p:spPr>
-          <a:xfrm>
-            <a:off x="4443273" y="1054691"/>
-            <a:ext cx="1118586" cy="532660"/>
-          </a:xfrm>
-          <a:prstGeom prst="leftRightArrow">
-            <a:avLst/>
-          </a:prstGeom>
-        </p:spPr>
-        <p:style>
-          <a:lnRef idx="2">
-            <a:schemeClr val="accent1">
-              <a:shade val="50000"/>
-            </a:schemeClr>
-          </a:lnRef>
-          <a:fillRef idx="1">
-            <a:schemeClr val="accent1"/>
-          </a:fillRef>
-          <a:effectRef idx="0">
-            <a:schemeClr val="accent1"/>
-          </a:effectRef>
-          <a:fontRef idx="minor">
-            <a:schemeClr val="lt1"/>
-          </a:fontRef>
-        </p:style>
-        <p:txBody>
-          <a:bodyPr rtlCol="0" anchor="ctr"/>
-          <a:lstStyle/>
-          <a:p>
-            <a:pPr algn="ctr"/>
-            <a:endParaRPr lang="zh-TW" altLang="en-US"/>
           </a:p>
         </p:txBody>
       </p:sp>
@@ -4143,8 +4130,8 @@
         </p:nvSpPr>
         <p:spPr>
           <a:xfrm>
-            <a:off x="594803" y="905523"/>
-            <a:ext cx="9552374" cy="830997"/>
+            <a:off x="704218" y="749216"/>
+            <a:ext cx="5008828" cy="1015663"/>
           </a:xfrm>
           <a:prstGeom prst="rect">
             <a:avLst/>
@@ -4158,12 +4145,16 @@
           <a:lstStyle/>
           <a:p>
             <a:r>
-              <a:rPr lang="zh-TW" altLang="en-US" sz="4800" dirty="0">
+              <a:rPr lang="en-US" altLang="zh-TW" sz="6000" b="1" dirty="0">
                 <a:latin typeface="微軟正黑體" panose="020B0604030504040204" pitchFamily="34" charset="-120"/>
                 <a:ea typeface="微軟正黑體" panose="020B0604030504040204" pitchFamily="34" charset="-120"/>
               </a:rPr>
-              <a:t>服務環境安全         弱點管理系統</a:t>
-            </a:r>
+              <a:t>All Together!</a:t>
+            </a:r>
+            <a:endParaRPr lang="zh-TW" altLang="en-US" sz="6000" b="1" dirty="0">
+              <a:latin typeface="微軟正黑體" panose="020B0604030504040204" pitchFamily="34" charset="-120"/>
+              <a:ea typeface="微軟正黑體" panose="020B0604030504040204" pitchFamily="34" charset="-120"/>
+            </a:endParaRPr>
           </a:p>
         </p:txBody>
       </p:sp>
@@ -4277,52 +4268,6 @@
               <a:latin typeface="微軟正黑體" panose="020B0604030504040204" pitchFamily="34" charset="-120"/>
               <a:ea typeface="微軟正黑體" panose="020B0604030504040204" pitchFamily="34" charset="-120"/>
             </a:endParaRPr>
-          </a:p>
-        </p:txBody>
-      </p:sp>
-      <p:sp>
-        <p:nvSpPr>
-          <p:cNvPr id="6" name="箭號: 左-右雙向 5">
-            <a:extLst>
-              <a:ext uri="{FF2B5EF4-FFF2-40B4-BE49-F238E27FC236}">
-                <a16:creationId xmlns:a16="http://schemas.microsoft.com/office/drawing/2014/main" id="{654FDC3A-5EA6-495A-8743-5598DF70B678}"/>
-              </a:ext>
-            </a:extLst>
-          </p:cNvPr>
-          <p:cNvSpPr/>
-          <p:nvPr/>
-        </p:nvSpPr>
-        <p:spPr>
-          <a:xfrm>
-            <a:off x="4465467" y="1054691"/>
-            <a:ext cx="1118586" cy="532660"/>
-          </a:xfrm>
-          <a:prstGeom prst="leftRightArrow">
-            <a:avLst/>
-          </a:prstGeom>
-        </p:spPr>
-        <p:style>
-          <a:lnRef idx="2">
-            <a:schemeClr val="accent1">
-              <a:shade val="50000"/>
-            </a:schemeClr>
-          </a:lnRef>
-          <a:fillRef idx="1">
-            <a:schemeClr val="accent1"/>
-          </a:fillRef>
-          <a:effectRef idx="0">
-            <a:schemeClr val="accent1"/>
-          </a:effectRef>
-          <a:fontRef idx="minor">
-            <a:schemeClr val="lt1"/>
-          </a:fontRef>
-        </p:style>
-        <p:txBody>
-          <a:bodyPr rtlCol="0" anchor="ctr"/>
-          <a:lstStyle/>
-          <a:p>
-            <a:pPr algn="ctr"/>
-            <a:endParaRPr lang="zh-TW" altLang="en-US"/>
           </a:p>
         </p:txBody>
       </p:sp>
@@ -4370,8 +4315,8 @@
         </p:nvSpPr>
         <p:spPr>
           <a:xfrm>
-            <a:off x="594803" y="905523"/>
-            <a:ext cx="9552374" cy="830997"/>
+            <a:off x="586988" y="591994"/>
+            <a:ext cx="3398860" cy="1015663"/>
           </a:xfrm>
           <a:prstGeom prst="rect">
             <a:avLst/>
@@ -4385,15 +4330,51 @@
           <a:lstStyle/>
           <a:p>
             <a:r>
-              <a:rPr lang="zh-TW" altLang="en-US" sz="4800" dirty="0">
+              <a:rPr lang="zh-TW" altLang="en-US" sz="6000" b="1" dirty="0">
                 <a:latin typeface="微軟正黑體" panose="020B0604030504040204" pitchFamily="34" charset="-120"/>
                 <a:ea typeface="微軟正黑體" panose="020B0604030504040204" pitchFamily="34" charset="-120"/>
               </a:rPr>
-              <a:t>實作流程</a:t>
-            </a:r>
-          </a:p>
-        </p:txBody>
-      </p:sp>
+              <a:t>實際架構</a:t>
+            </a:r>
+          </a:p>
+        </p:txBody>
+      </p:sp>
+      <p:pic>
+        <p:nvPicPr>
+          <p:cNvPr id="6" name="圖片 5" descr="一張含有 儀錶 的圖片&#10;&#10;自動產生的描述">
+            <a:extLst>
+              <a:ext uri="{FF2B5EF4-FFF2-40B4-BE49-F238E27FC236}">
+                <a16:creationId xmlns:a16="http://schemas.microsoft.com/office/drawing/2014/main" id="{BBCC9FF5-0B94-4C39-9CF8-37F8C7F147B5}"/>
+              </a:ext>
+            </a:extLst>
+          </p:cNvPr>
+          <p:cNvPicPr>
+            <a:picLocks noChangeAspect="1"/>
+          </p:cNvPicPr>
+          <p:nvPr/>
+        </p:nvPicPr>
+        <p:blipFill>
+          <a:blip r:embed="rId2">
+            <a:extLst>
+              <a:ext uri="{28A0092B-C50C-407E-A947-70E740481C1C}">
+                <a14:useLocalDpi xmlns:a14="http://schemas.microsoft.com/office/drawing/2010/main" val="0"/>
+              </a:ext>
+            </a:extLst>
+          </a:blip>
+          <a:stretch>
+            <a:fillRect/>
+          </a:stretch>
+        </p:blipFill>
+        <p:spPr>
+          <a:xfrm>
+            <a:off x="1632648" y="851571"/>
+            <a:ext cx="8926704" cy="5154857"/>
+          </a:xfrm>
+          <a:prstGeom prst="rect">
+            <a:avLst/>
+          </a:prstGeom>
+        </p:spPr>
+      </p:pic>
     </p:spTree>
     <p:extLst>
       <p:ext uri="{BB962C8B-B14F-4D97-AF65-F5344CB8AC3E}">
@@ -4438,8 +4419,8 @@
         </p:nvSpPr>
         <p:spPr>
           <a:xfrm>
-            <a:off x="594803" y="905523"/>
-            <a:ext cx="9552374" cy="830997"/>
+            <a:off x="594803" y="639800"/>
+            <a:ext cx="2562612" cy="1015663"/>
           </a:xfrm>
           <a:prstGeom prst="rect">
             <a:avLst/>
@@ -4453,13 +4434,13 @@
           <a:lstStyle/>
           <a:p>
             <a:r>
-              <a:rPr lang="en-US" altLang="zh-TW" sz="4800" dirty="0">
+              <a:rPr lang="en-US" altLang="zh-TW" sz="6000" b="1" dirty="0">
                 <a:latin typeface="微軟正黑體" panose="020B0604030504040204" pitchFamily="34" charset="-120"/>
                 <a:ea typeface="微軟正黑體" panose="020B0604030504040204" pitchFamily="34" charset="-120"/>
               </a:rPr>
               <a:t>Demo</a:t>
             </a:r>
-            <a:endParaRPr lang="zh-TW" altLang="en-US" sz="4800" dirty="0">
+            <a:endParaRPr lang="zh-TW" altLang="en-US" sz="6000" b="1" dirty="0">
               <a:latin typeface="微軟正黑體" panose="020B0604030504040204" pitchFamily="34" charset="-120"/>
               <a:ea typeface="微軟正黑體" panose="020B0604030504040204" pitchFamily="34" charset="-120"/>
             </a:endParaRPr>
@@ -4510,8 +4491,8 @@
         </p:nvSpPr>
         <p:spPr>
           <a:xfrm>
-            <a:off x="594803" y="905523"/>
-            <a:ext cx="9552374" cy="830997"/>
+            <a:off x="501019" y="694507"/>
+            <a:ext cx="9552374" cy="1015663"/>
           </a:xfrm>
           <a:prstGeom prst="rect">
             <a:avLst/>
@@ -4525,20 +4506,13 @@
           <a:lstStyle/>
           <a:p>
             <a:r>
-              <a:rPr lang="en-US" altLang="zh-TW" sz="4800" dirty="0" err="1">
+              <a:rPr lang="en-US" altLang="zh-TW" sz="6000" b="1" dirty="0">
                 <a:latin typeface="微軟正黑體" panose="020B0604030504040204" pitchFamily="34" charset="-120"/>
                 <a:ea typeface="微軟正黑體" panose="020B0604030504040204" pitchFamily="34" charset="-120"/>
               </a:rPr>
-              <a:t>ToDo</a:t>
-            </a:r>
-            <a:r>
-              <a:rPr lang="en-US" altLang="zh-TW" sz="4800" dirty="0">
-                <a:latin typeface="微軟正黑體" panose="020B0604030504040204" pitchFamily="34" charset="-120"/>
-                <a:ea typeface="微軟正黑體" panose="020B0604030504040204" pitchFamily="34" charset="-120"/>
-              </a:rPr>
-              <a:t>…</a:t>
-            </a:r>
-            <a:endParaRPr lang="zh-TW" altLang="en-US" sz="4800" dirty="0">
+              <a:t>Future Expectation</a:t>
+            </a:r>
+            <a:endParaRPr lang="zh-TW" altLang="en-US" sz="6000" b="1" dirty="0">
               <a:latin typeface="微軟正黑體" panose="020B0604030504040204" pitchFamily="34" charset="-120"/>
               <a:ea typeface="微軟正黑體" panose="020B0604030504040204" pitchFamily="34" charset="-120"/>
             </a:endParaRPr>
@@ -4661,8 +4635,8 @@
         </p:nvSpPr>
         <p:spPr>
           <a:xfrm>
-            <a:off x="275209" y="443882"/>
-            <a:ext cx="5530788" cy="830997"/>
+            <a:off x="705055" y="709605"/>
+            <a:ext cx="3476176" cy="923330"/>
           </a:xfrm>
           <a:prstGeom prst="rect">
             <a:avLst/>
@@ -4676,12 +4650,16 @@
           <a:lstStyle/>
           <a:p>
             <a:r>
-              <a:rPr lang="zh-TW" altLang="en-US" sz="4800" dirty="0">
+              <a:rPr lang="en-US" altLang="zh-TW" sz="5400" b="1" dirty="0">
                 <a:latin typeface="微軟正黑體" panose="020B0604030504040204" pitchFamily="34" charset="-120"/>
                 <a:ea typeface="微軟正黑體" panose="020B0604030504040204" pitchFamily="34" charset="-120"/>
               </a:rPr>
-              <a:t>隊伍介紹</a:t>
-            </a:r>
+              <a:t>About us</a:t>
+            </a:r>
+            <a:endParaRPr lang="zh-TW" altLang="en-US" sz="5400" b="1" dirty="0">
+              <a:latin typeface="微軟正黑體" panose="020B0604030504040204" pitchFamily="34" charset="-120"/>
+              <a:ea typeface="微軟正黑體" panose="020B0604030504040204" pitchFamily="34" charset="-120"/>
+            </a:endParaRPr>
           </a:p>
         </p:txBody>
       </p:sp>
@@ -4717,10 +4695,10 @@
       </p:grpSpPr>
       <p:sp>
         <p:nvSpPr>
-          <p:cNvPr id="2" name="文字方塊 1">
-            <a:extLst>
-              <a:ext uri="{FF2B5EF4-FFF2-40B4-BE49-F238E27FC236}">
-                <a16:creationId xmlns:a16="http://schemas.microsoft.com/office/drawing/2014/main" id="{3EF26844-E7E2-44F7-B382-6FC923D61D92}"/>
+          <p:cNvPr id="3" name="文字方塊 2">
+            <a:extLst>
+              <a:ext uri="{FF2B5EF4-FFF2-40B4-BE49-F238E27FC236}">
+                <a16:creationId xmlns:a16="http://schemas.microsoft.com/office/drawing/2014/main" id="{49D88A0D-6BE9-4738-BE5B-007A4F0F26F5}"/>
               </a:ext>
             </a:extLst>
           </p:cNvPr>
@@ -4729,8 +4707,8 @@
         </p:nvSpPr>
         <p:spPr>
           <a:xfrm>
-            <a:off x="1047565" y="2690336"/>
-            <a:ext cx="6303145" cy="1477328"/>
+            <a:off x="1764323" y="2921168"/>
+            <a:ext cx="8663354" cy="1015663"/>
           </a:xfrm>
           <a:prstGeom prst="rect">
             <a:avLst/>
@@ -4743,107 +4721,13 @@
           </a:bodyPr>
           <a:lstStyle/>
           <a:p>
-            <a:pPr marL="285750" indent="-285750">
-              <a:buFont typeface="Arial" panose="020B0604020202020204" pitchFamily="34" charset="0"/>
-              <a:buChar char="•"/>
-            </a:pPr>
-            <a:r>
-              <a:rPr kumimoji="1" lang="en-US" altLang="zh-TW" sz="2400" dirty="0" err="1">
+            <a:r>
+              <a:rPr lang="zh-TW" altLang="en-US" sz="6000" b="1" dirty="0">
                 <a:latin typeface="微軟正黑體" panose="020B0604030504040204" pitchFamily="34" charset="-120"/>
                 <a:ea typeface="微軟正黑體" panose="020B0604030504040204" pitchFamily="34" charset="-120"/>
               </a:rPr>
-              <a:t>Devops</a:t>
-            </a:r>
-            <a:r>
-              <a:rPr kumimoji="1" lang="zh-TW" altLang="en-US" sz="2400" dirty="0">
-                <a:latin typeface="微軟正黑體" panose="020B0604030504040204" pitchFamily="34" charset="-120"/>
-                <a:ea typeface="微軟正黑體" panose="020B0604030504040204" pitchFamily="34" charset="-120"/>
-              </a:rPr>
-              <a:t>難以整合資安</a:t>
-            </a:r>
-            <a:endParaRPr kumimoji="1" lang="en-US" altLang="zh-TW" sz="2400" dirty="0">
-              <a:latin typeface="微軟正黑體" panose="020B0604030504040204" pitchFamily="34" charset="-120"/>
-              <a:ea typeface="微軟正黑體" panose="020B0604030504040204" pitchFamily="34" charset="-120"/>
-            </a:endParaRPr>
-          </a:p>
-          <a:p>
-            <a:pPr marL="285750" indent="-285750">
-              <a:buFont typeface="Arial" panose="020B0604020202020204" pitchFamily="34" charset="0"/>
-              <a:buChar char="•"/>
-            </a:pPr>
-            <a:r>
-              <a:rPr kumimoji="1" lang="zh-TW" altLang="en-US" sz="2400" dirty="0">
-                <a:latin typeface="微軟正黑體" panose="020B0604030504040204" pitchFamily="34" charset="-120"/>
-                <a:ea typeface="微軟正黑體" panose="020B0604030504040204" pitchFamily="34" charset="-120"/>
-              </a:rPr>
-              <a:t>現有的資安工具難以整合現今開發環境</a:t>
-            </a:r>
-            <a:endParaRPr kumimoji="1" lang="en-US" altLang="zh-TW" sz="2400" dirty="0">
-              <a:latin typeface="微軟正黑體" panose="020B0604030504040204" pitchFamily="34" charset="-120"/>
-              <a:ea typeface="微軟正黑體" panose="020B0604030504040204" pitchFamily="34" charset="-120"/>
-            </a:endParaRPr>
-          </a:p>
-          <a:p>
-            <a:pPr marL="285750" indent="-285750">
-              <a:buFont typeface="Arial" panose="020B0604020202020204" pitchFamily="34" charset="0"/>
-              <a:buChar char="•"/>
-            </a:pPr>
-            <a:r>
-              <a:rPr kumimoji="1" lang="zh-TW" altLang="en-US" sz="2400" dirty="0">
-                <a:latin typeface="微軟正黑體" panose="020B0604030504040204" pitchFamily="34" charset="-120"/>
-                <a:ea typeface="微軟正黑體" panose="020B0604030504040204" pitchFamily="34" charset="-120"/>
-              </a:rPr>
-              <a:t>開發時可能忽略資安的重要性</a:t>
-            </a:r>
-            <a:endParaRPr kumimoji="1" lang="en-US" altLang="zh-TW" sz="2400" dirty="0">
-              <a:latin typeface="微軟正黑體" panose="020B0604030504040204" pitchFamily="34" charset="-120"/>
-              <a:ea typeface="微軟正黑體" panose="020B0604030504040204" pitchFamily="34" charset="-120"/>
-            </a:endParaRPr>
-          </a:p>
-          <a:p>
-            <a:endParaRPr lang="zh-TW" altLang="en-US" dirty="0"/>
-          </a:p>
-        </p:txBody>
-      </p:sp>
-      <p:sp>
-        <p:nvSpPr>
-          <p:cNvPr id="3" name="文字方塊 2">
-            <a:extLst>
-              <a:ext uri="{FF2B5EF4-FFF2-40B4-BE49-F238E27FC236}">
-                <a16:creationId xmlns:a16="http://schemas.microsoft.com/office/drawing/2014/main" id="{49D88A0D-6BE9-4738-BE5B-007A4F0F26F5}"/>
-              </a:ext>
-            </a:extLst>
-          </p:cNvPr>
-          <p:cNvSpPr txBox="1"/>
-          <p:nvPr/>
-        </p:nvSpPr>
-        <p:spPr>
-          <a:xfrm>
-            <a:off x="861133" y="754603"/>
-            <a:ext cx="3462292" cy="830997"/>
-          </a:xfrm>
-          <a:prstGeom prst="rect">
-            <a:avLst/>
-          </a:prstGeom>
-          <a:noFill/>
-        </p:spPr>
-        <p:txBody>
-          <a:bodyPr wrap="square" rtlCol="0">
-            <a:spAutoFit/>
-          </a:bodyPr>
-          <a:lstStyle/>
-          <a:p>
-            <a:r>
-              <a:rPr lang="en-US" altLang="zh-TW" sz="4800" dirty="0">
-                <a:latin typeface="微軟正黑體" panose="020B0604030504040204" pitchFamily="34" charset="-120"/>
-                <a:ea typeface="微軟正黑體" panose="020B0604030504040204" pitchFamily="34" charset="-120"/>
-              </a:rPr>
-              <a:t>Why</a:t>
-            </a:r>
-            <a:endParaRPr lang="zh-TW" altLang="en-US" sz="4800" dirty="0">
-              <a:latin typeface="微軟正黑體" panose="020B0604030504040204" pitchFamily="34" charset="-120"/>
-              <a:ea typeface="微軟正黑體" panose="020B0604030504040204" pitchFamily="34" charset="-120"/>
-            </a:endParaRPr>
+              <a:t>現今軟體開發面臨的問題</a:t>
+            </a:r>
           </a:p>
         </p:txBody>
       </p:sp>
@@ -4882,7 +4766,7 @@
           <p:cNvPr id="2" name="文字方塊 1">
             <a:extLst>
               <a:ext uri="{FF2B5EF4-FFF2-40B4-BE49-F238E27FC236}">
-                <a16:creationId xmlns:a16="http://schemas.microsoft.com/office/drawing/2014/main" id="{B4AB42E0-7A8E-4DA9-B525-041E31E1F55D}"/>
+                <a16:creationId xmlns:a16="http://schemas.microsoft.com/office/drawing/2014/main" id="{3EF26844-E7E2-44F7-B382-6FC923D61D92}"/>
               </a:ext>
             </a:extLst>
           </p:cNvPr>
@@ -4891,8 +4775,8 @@
         </p:nvSpPr>
         <p:spPr>
           <a:xfrm>
-            <a:off x="692458" y="870012"/>
-            <a:ext cx="3755254" cy="830997"/>
+            <a:off x="1180424" y="1057741"/>
+            <a:ext cx="10425421" cy="4742517"/>
           </a:xfrm>
           <a:prstGeom prst="rect">
             <a:avLst/>
@@ -4905,86 +4789,86 @@
           </a:bodyPr>
           <a:lstStyle/>
           <a:p>
-            <a:r>
-              <a:rPr lang="en-US" altLang="zh-TW" sz="4800" dirty="0" err="1">
+            <a:pPr marL="285750" indent="-285750">
+              <a:lnSpc>
+                <a:spcPct val="150000"/>
+              </a:lnSpc>
+              <a:buFont typeface="Arial" panose="020B0604020202020204" pitchFamily="34" charset="0"/>
+              <a:buChar char="•"/>
+            </a:pPr>
+            <a:r>
+              <a:rPr kumimoji="1" lang="en-US" altLang="zh-TW" sz="5400" dirty="0">
                 <a:latin typeface="微軟正黑體" panose="020B0604030504040204" pitchFamily="34" charset="-120"/>
                 <a:ea typeface="微軟正黑體" panose="020B0604030504040204" pitchFamily="34" charset="-120"/>
               </a:rPr>
-              <a:t>Soultion</a:t>
-            </a:r>
-            <a:endParaRPr lang="zh-TW" altLang="en-US" sz="4800" dirty="0">
+              <a:t>DevOps</a:t>
+            </a:r>
+            <a:r>
+              <a:rPr kumimoji="1" lang="zh-TW" altLang="en-US" sz="5400" dirty="0">
+                <a:latin typeface="微軟正黑體" panose="020B0604030504040204" pitchFamily="34" charset="-120"/>
+                <a:ea typeface="微軟正黑體" panose="020B0604030504040204" pitchFamily="34" charset="-120"/>
+              </a:rPr>
+              <a:t>難以整合資安</a:t>
+            </a:r>
+            <a:endParaRPr kumimoji="1" lang="en-US" altLang="zh-TW" sz="5400" dirty="0">
               <a:latin typeface="微軟正黑體" panose="020B0604030504040204" pitchFamily="34" charset="-120"/>
               <a:ea typeface="微軟正黑體" panose="020B0604030504040204" pitchFamily="34" charset="-120"/>
             </a:endParaRPr>
           </a:p>
-        </p:txBody>
-      </p:sp>
-      <p:sp>
-        <p:nvSpPr>
-          <p:cNvPr id="3" name="文字方塊 2">
-            <a:extLst>
-              <a:ext uri="{FF2B5EF4-FFF2-40B4-BE49-F238E27FC236}">
-                <a16:creationId xmlns:a16="http://schemas.microsoft.com/office/drawing/2014/main" id="{D4AA29EA-679E-4682-8A6F-EA6E93A4F17E}"/>
-              </a:ext>
-            </a:extLst>
-          </p:cNvPr>
-          <p:cNvSpPr txBox="1"/>
-          <p:nvPr/>
-        </p:nvSpPr>
-        <p:spPr>
-          <a:xfrm>
-            <a:off x="514906" y="3387766"/>
-            <a:ext cx="4856085" cy="1107996"/>
-          </a:xfrm>
-          <a:prstGeom prst="rect">
-            <a:avLst/>
-          </a:prstGeom>
-          <a:noFill/>
-        </p:spPr>
-        <p:txBody>
-          <a:bodyPr wrap="square" rtlCol="0">
-            <a:spAutoFit/>
-          </a:bodyPr>
-          <a:lstStyle/>
-          <a:p>
-            <a:pPr marL="342900" indent="-342900">
+          <a:p>
+            <a:pPr marL="285750" indent="-285750">
+              <a:lnSpc>
+                <a:spcPct val="150000"/>
+              </a:lnSpc>
               <a:buFont typeface="Arial" panose="020B0604020202020204" pitchFamily="34" charset="0"/>
               <a:buChar char="•"/>
             </a:pPr>
             <a:r>
-              <a:rPr kumimoji="1" lang="zh-TW" altLang="en-US" sz="2400" dirty="0">
+              <a:rPr kumimoji="1" lang="zh-TW" altLang="en-US" sz="5400" dirty="0">
                 <a:latin typeface="微軟正黑體" panose="020B0604030504040204" pitchFamily="34" charset="-120"/>
                 <a:ea typeface="微軟正黑體" panose="020B0604030504040204" pitchFamily="34" charset="-120"/>
               </a:rPr>
-              <a:t>創造一個自動化的整合環</a:t>
-            </a:r>
-            <a:endParaRPr kumimoji="1" lang="en-US" altLang="zh-TW" sz="2400" dirty="0">
+              <a:t>資安工具難以整合現今開發環境</a:t>
+            </a:r>
+            <a:endParaRPr kumimoji="1" lang="en-US" altLang="zh-TW" sz="5400" dirty="0">
               <a:latin typeface="微軟正黑體" panose="020B0604030504040204" pitchFamily="34" charset="-120"/>
               <a:ea typeface="微軟正黑體" panose="020B0604030504040204" pitchFamily="34" charset="-120"/>
             </a:endParaRPr>
           </a:p>
           <a:p>
-            <a:pPr marL="342900" indent="-342900">
+            <a:pPr marL="285750" indent="-285750">
+              <a:lnSpc>
+                <a:spcPct val="150000"/>
+              </a:lnSpc>
               <a:buFont typeface="Arial" panose="020B0604020202020204" pitchFamily="34" charset="0"/>
               <a:buChar char="•"/>
             </a:pPr>
             <a:r>
-              <a:rPr kumimoji="1" lang="zh-TW" altLang="en-US" sz="2400" dirty="0">
+              <a:rPr kumimoji="1" lang="zh-TW" altLang="en-US" sz="5400" dirty="0">
                 <a:latin typeface="微軟正黑體" panose="020B0604030504040204" pitchFamily="34" charset="-120"/>
                 <a:ea typeface="微軟正黑體" panose="020B0604030504040204" pitchFamily="34" charset="-120"/>
               </a:rPr>
-              <a:t>資安零阻力</a:t>
-            </a:r>
-          </a:p>
-          <a:p>
-            <a:endParaRPr lang="zh-TW" altLang="en-US" dirty="0"/>
+              <a:t>開發時忽略資安的重要性</a:t>
+            </a:r>
+            <a:endParaRPr kumimoji="1" lang="en-US" altLang="zh-TW" sz="5400" dirty="0">
+              <a:latin typeface="微軟正黑體" panose="020B0604030504040204" pitchFamily="34" charset="-120"/>
+              <a:ea typeface="微軟正黑體" panose="020B0604030504040204" pitchFamily="34" charset="-120"/>
+            </a:endParaRPr>
+          </a:p>
+          <a:p>
+            <a:pPr>
+              <a:lnSpc>
+                <a:spcPct val="150000"/>
+              </a:lnSpc>
+            </a:pPr>
+            <a:endParaRPr lang="zh-TW" altLang="en-US" sz="4400" dirty="0"/>
           </a:p>
         </p:txBody>
       </p:sp>
     </p:spTree>
     <p:extLst>
       <p:ext uri="{BB962C8B-B14F-4D97-AF65-F5344CB8AC3E}">
-        <p14:creationId xmlns:p14="http://schemas.microsoft.com/office/powerpoint/2010/main" val="647858419"/>
+        <p14:creationId xmlns:p14="http://schemas.microsoft.com/office/powerpoint/2010/main" val="2209240024"/>
       </p:ext>
     </p:extLst>
   </p:cSld>
@@ -5016,7 +4900,7 @@
           <p:cNvPr id="2" name="文字方塊 1">
             <a:extLst>
               <a:ext uri="{FF2B5EF4-FFF2-40B4-BE49-F238E27FC236}">
-                <a16:creationId xmlns:a16="http://schemas.microsoft.com/office/drawing/2014/main" id="{CB2D8B3B-2FB8-43F6-ACD7-A1F7F1381F92}"/>
+                <a16:creationId xmlns:a16="http://schemas.microsoft.com/office/drawing/2014/main" id="{B4AB42E0-7A8E-4DA9-B525-041E31E1F55D}"/>
               </a:ext>
             </a:extLst>
           </p:cNvPr>
@@ -5025,8 +4909,8 @@
         </p:nvSpPr>
         <p:spPr>
           <a:xfrm>
-            <a:off x="701335" y="3293616"/>
-            <a:ext cx="8469298" cy="1200329"/>
+            <a:off x="958181" y="799673"/>
+            <a:ext cx="3755254" cy="1015663"/>
           </a:xfrm>
           <a:prstGeom prst="rect">
             <a:avLst/>
@@ -5039,44 +4923,17 @@
           </a:bodyPr>
           <a:lstStyle/>
           <a:p>
-            <a:pPr marL="342900" indent="-342900">
-              <a:buFont typeface="Arial" panose="020B0604020202020204" pitchFamily="34" charset="0"/>
-              <a:buChar char="•"/>
-            </a:pPr>
-            <a:r>
-              <a:rPr lang="zh-TW" altLang="en-US" sz="2400" dirty="0">
+            <a:r>
+              <a:rPr lang="en-US" altLang="zh-TW" sz="6000" b="1" dirty="0">
                 <a:latin typeface="微軟正黑體" panose="020B0604030504040204" pitchFamily="34" charset="-120"/>
                 <a:ea typeface="微軟正黑體" panose="020B0604030504040204" pitchFamily="34" charset="-120"/>
               </a:rPr>
-              <a:t>及早發現</a:t>
-            </a:r>
-          </a:p>
-          <a:p>
-            <a:pPr marL="342900" indent="-342900">
-              <a:buFont typeface="Arial" panose="020B0604020202020204" pitchFamily="34" charset="0"/>
-              <a:buChar char="•"/>
-            </a:pPr>
-            <a:r>
-              <a:rPr lang="zh-TW" altLang="en-US" sz="2400" dirty="0">
-                <a:latin typeface="微軟正黑體" panose="020B0604030504040204" pitchFamily="34" charset="-120"/>
-                <a:ea typeface="微軟正黑體" panose="020B0604030504040204" pitchFamily="34" charset="-120"/>
-              </a:rPr>
-              <a:t>持續檢測</a:t>
-            </a:r>
-          </a:p>
-          <a:p>
-            <a:pPr marL="342900" indent="-342900">
-              <a:buFont typeface="Arial" panose="020B0604020202020204" pitchFamily="34" charset="0"/>
-              <a:buChar char="•"/>
-            </a:pPr>
-            <a:r>
-              <a:rPr lang="zh-TW" altLang="en-US" sz="2400" dirty="0">
-                <a:latin typeface="微軟正黑體" panose="020B0604030504040204" pitchFamily="34" charset="-120"/>
-                <a:ea typeface="微軟正黑體" panose="020B0604030504040204" pitchFamily="34" charset="-120"/>
-              </a:rPr>
-              <a:t>降低成本</a:t>
-            </a:r>
-            <a:endParaRPr lang="zh-TW" altLang="en-US" dirty="0"/>
+              <a:t>Solution</a:t>
+            </a:r>
+            <a:endParaRPr lang="zh-TW" altLang="en-US" sz="6000" b="1" dirty="0">
+              <a:latin typeface="微軟正黑體" panose="020B0604030504040204" pitchFamily="34" charset="-120"/>
+              <a:ea typeface="微軟正黑體" panose="020B0604030504040204" pitchFamily="34" charset="-120"/>
+            </a:endParaRPr>
           </a:p>
         </p:txBody>
       </p:sp>
@@ -5085,7 +4942,7 @@
           <p:cNvPr id="3" name="文字方塊 2">
             <a:extLst>
               <a:ext uri="{FF2B5EF4-FFF2-40B4-BE49-F238E27FC236}">
-                <a16:creationId xmlns:a16="http://schemas.microsoft.com/office/drawing/2014/main" id="{510876D8-A1C7-4A85-ADEC-C6E44029CA94}"/>
+                <a16:creationId xmlns:a16="http://schemas.microsoft.com/office/drawing/2014/main" id="{D4AA29EA-679E-4682-8A6F-EA6E93A4F17E}"/>
               </a:ext>
             </a:extLst>
           </p:cNvPr>
@@ -5094,8 +4951,8 @@
         </p:nvSpPr>
         <p:spPr>
           <a:xfrm>
-            <a:off x="639191" y="836967"/>
-            <a:ext cx="3764132" cy="1107996"/>
+            <a:off x="958181" y="2332690"/>
+            <a:ext cx="10965895" cy="3274743"/>
           </a:xfrm>
           <a:prstGeom prst="rect">
             <a:avLst/>
@@ -5108,63 +4965,69 @@
           </a:bodyPr>
           <a:lstStyle/>
           <a:p>
-            <a:r>
-              <a:rPr lang="en-US" altLang="zh-TW" sz="4800" dirty="0">
+            <a:pPr marL="342900" indent="-342900">
+              <a:lnSpc>
+                <a:spcPct val="150000"/>
+              </a:lnSpc>
+              <a:buFont typeface="Arial" panose="020B0604020202020204" pitchFamily="34" charset="0"/>
+              <a:buChar char="•"/>
+            </a:pPr>
+            <a:r>
+              <a:rPr kumimoji="1" lang="zh-TW" altLang="en-US" sz="4800" dirty="0">
                 <a:latin typeface="微軟正黑體" panose="020B0604030504040204" pitchFamily="34" charset="-120"/>
                 <a:ea typeface="微軟正黑體" panose="020B0604030504040204" pitchFamily="34" charset="-120"/>
               </a:rPr>
-              <a:t>Goal</a:t>
-            </a:r>
-            <a:endParaRPr lang="zh-TW" altLang="en-US" sz="4800" dirty="0">
+              <a:t>創造一個</a:t>
+            </a:r>
+            <a:r>
+              <a:rPr kumimoji="1" lang="zh-TW" altLang="en-US" sz="5400" b="1" dirty="0">
+                <a:latin typeface="微軟正黑體" panose="020B0604030504040204" pitchFamily="34" charset="-120"/>
+                <a:ea typeface="微軟正黑體" panose="020B0604030504040204" pitchFamily="34" charset="-120"/>
+              </a:rPr>
+              <a:t>自動化</a:t>
+            </a:r>
+            <a:r>
+              <a:rPr kumimoji="1" lang="zh-TW" altLang="en-US" sz="4800" dirty="0">
+                <a:latin typeface="微軟正黑體" panose="020B0604030504040204" pitchFamily="34" charset="-120"/>
+                <a:ea typeface="微軟正黑體" panose="020B0604030504040204" pitchFamily="34" charset="-120"/>
+              </a:rPr>
+              <a:t>的開發管理系統</a:t>
+            </a:r>
+            <a:endParaRPr kumimoji="1" lang="en-US" altLang="zh-TW" sz="4800" dirty="0">
               <a:latin typeface="微軟正黑體" panose="020B0604030504040204" pitchFamily="34" charset="-120"/>
               <a:ea typeface="微軟正黑體" panose="020B0604030504040204" pitchFamily="34" charset="-120"/>
             </a:endParaRPr>
           </a:p>
           <a:p>
-            <a:endParaRPr lang="zh-TW" altLang="en-US" dirty="0"/>
-          </a:p>
-        </p:txBody>
-      </p:sp>
-      <p:pic>
-        <p:nvPicPr>
-          <p:cNvPr id="7" name="圖片 6">
-            <a:extLst>
-              <a:ext uri="{FF2B5EF4-FFF2-40B4-BE49-F238E27FC236}">
-                <a16:creationId xmlns:a16="http://schemas.microsoft.com/office/drawing/2014/main" id="{45086DE2-29B6-4ACB-9229-1DCC42D8A0CC}"/>
-              </a:ext>
-            </a:extLst>
-          </p:cNvPr>
-          <p:cNvPicPr>
-            <a:picLocks noChangeAspect="1"/>
-          </p:cNvPicPr>
-          <p:nvPr/>
-        </p:nvPicPr>
-        <p:blipFill>
-          <a:blip r:embed="rId2">
-            <a:extLst>
-              <a:ext uri="{28A0092B-C50C-407E-A947-70E740481C1C}">
-                <a14:useLocalDpi xmlns:a14="http://schemas.microsoft.com/office/drawing/2010/main" val="0"/>
-              </a:ext>
-            </a:extLst>
-          </a:blip>
-          <a:stretch>
-            <a:fillRect/>
-          </a:stretch>
-        </p:blipFill>
-        <p:spPr>
-          <a:xfrm>
-            <a:off x="3467327" y="904441"/>
-            <a:ext cx="7040735" cy="4116973"/>
-          </a:xfrm>
-          <a:prstGeom prst="rect">
-            <a:avLst/>
-          </a:prstGeom>
-        </p:spPr>
-      </p:pic>
+            <a:pPr marL="342900" indent="-342900">
+              <a:lnSpc>
+                <a:spcPct val="150000"/>
+              </a:lnSpc>
+              <a:buFont typeface="Arial" panose="020B0604020202020204" pitchFamily="34" charset="0"/>
+              <a:buChar char="•"/>
+            </a:pPr>
+            <a:r>
+              <a:rPr kumimoji="1" lang="zh-TW" altLang="en-US" sz="4800" dirty="0">
+                <a:latin typeface="微軟正黑體" panose="020B0604030504040204" pitchFamily="34" charset="-120"/>
+                <a:ea typeface="微軟正黑體" panose="020B0604030504040204" pitchFamily="34" charset="-120"/>
+              </a:rPr>
+              <a:t>資安零阻力</a:t>
+            </a:r>
+          </a:p>
+          <a:p>
+            <a:pPr>
+              <a:lnSpc>
+                <a:spcPct val="150000"/>
+              </a:lnSpc>
+            </a:pPr>
+            <a:endParaRPr lang="zh-TW" altLang="en-US" sz="4000" dirty="0"/>
+          </a:p>
+        </p:txBody>
+      </p:sp>
     </p:spTree>
     <p:extLst>
       <p:ext uri="{BB962C8B-B14F-4D97-AF65-F5344CB8AC3E}">
-        <p14:creationId xmlns:p14="http://schemas.microsoft.com/office/powerpoint/2010/main" val="4127138881"/>
+        <p14:creationId xmlns:p14="http://schemas.microsoft.com/office/powerpoint/2010/main" val="647858419"/>
       </p:ext>
     </p:extLst>
   </p:cSld>
@@ -5205,8 +5068,8 @@
         </p:nvSpPr>
         <p:spPr>
           <a:xfrm>
-            <a:off x="754602" y="2485748"/>
-            <a:ext cx="7776839" cy="2954655"/>
+            <a:off x="889283" y="2090046"/>
+            <a:ext cx="8469298" cy="3697872"/>
           </a:xfrm>
           <a:prstGeom prst="rect">
             <a:avLst/>
@@ -5219,89 +5082,53 @@
           </a:bodyPr>
           <a:lstStyle/>
           <a:p>
-            <a:r>
-              <a:rPr lang="en-US" altLang="zh-TW" sz="2400" dirty="0">
+            <a:pPr marL="342900" indent="-342900">
+              <a:lnSpc>
+                <a:spcPct val="150000"/>
+              </a:lnSpc>
+              <a:buFont typeface="Arial" panose="020B0604020202020204" pitchFamily="34" charset="0"/>
+              <a:buChar char="•"/>
+            </a:pPr>
+            <a:r>
+              <a:rPr lang="zh-TW" altLang="en-US" sz="5400" dirty="0">
                 <a:latin typeface="微軟正黑體" panose="020B0604030504040204" pitchFamily="34" charset="-120"/>
                 <a:ea typeface="微軟正黑體" panose="020B0604030504040204" pitchFamily="34" charset="-120"/>
               </a:rPr>
-              <a:t>Secrets Vault</a:t>
-            </a:r>
-          </a:p>
-          <a:p>
-            <a:r>
-              <a:rPr lang="en-US" altLang="zh-TW" sz="2400" dirty="0">
+              <a:t>及早發現</a:t>
+            </a:r>
+          </a:p>
+          <a:p>
+            <a:pPr marL="342900" indent="-342900">
+              <a:lnSpc>
+                <a:spcPct val="150000"/>
+              </a:lnSpc>
+              <a:buFont typeface="Arial" panose="020B0604020202020204" pitchFamily="34" charset="0"/>
+              <a:buChar char="•"/>
+            </a:pPr>
+            <a:r>
+              <a:rPr lang="zh-TW" altLang="en-US" sz="5400" dirty="0">
                 <a:latin typeface="微軟正黑體" panose="020B0604030504040204" pitchFamily="34" charset="-120"/>
                 <a:ea typeface="微軟正黑體" panose="020B0604030504040204" pitchFamily="34" charset="-120"/>
               </a:rPr>
-              <a:t>Third-party package coverage</a:t>
-            </a:r>
-          </a:p>
-          <a:p>
-            <a:r>
-              <a:rPr lang="en-US" altLang="zh-TW" sz="2400" dirty="0">
+              <a:t>持續檢測</a:t>
+            </a:r>
+          </a:p>
+          <a:p>
+            <a:pPr marL="342900" indent="-342900">
+              <a:lnSpc>
+                <a:spcPct val="150000"/>
+              </a:lnSpc>
+              <a:buFont typeface="Arial" panose="020B0604020202020204" pitchFamily="34" charset="0"/>
+              <a:buChar char="•"/>
+            </a:pPr>
+            <a:r>
+              <a:rPr lang="zh-TW" altLang="en-US" sz="5400" dirty="0">
                 <a:latin typeface="微軟正黑體" panose="020B0604030504040204" pitchFamily="34" charset="-120"/>
                 <a:ea typeface="微軟正黑體" panose="020B0604030504040204" pitchFamily="34" charset="-120"/>
               </a:rPr>
-              <a:t>CI/CD </a:t>
-            </a:r>
-            <a:r>
-              <a:rPr lang="zh-TW" altLang="en-US" sz="2400" dirty="0">
-                <a:latin typeface="微軟正黑體" panose="020B0604030504040204" pitchFamily="34" charset="-120"/>
-                <a:ea typeface="微軟正黑體" panose="020B0604030504040204" pitchFamily="34" charset="-120"/>
-              </a:rPr>
-              <a:t>結合自動化安全分析</a:t>
-            </a:r>
-            <a:endParaRPr lang="en-US" altLang="zh-TW" sz="2400" dirty="0">
-              <a:latin typeface="微軟正黑體" panose="020B0604030504040204" pitchFamily="34" charset="-120"/>
-              <a:ea typeface="微軟正黑體" panose="020B0604030504040204" pitchFamily="34" charset="-120"/>
-            </a:endParaRPr>
-          </a:p>
-          <a:p>
-            <a:r>
-              <a:rPr lang="zh-TW" altLang="en-US" sz="2400" dirty="0">
-                <a:latin typeface="微軟正黑體" panose="020B0604030504040204" pitchFamily="34" charset="-120"/>
-                <a:ea typeface="微軟正黑體" panose="020B0604030504040204" pitchFamily="34" charset="-120"/>
-              </a:rPr>
-              <a:t>系統環境進行自動化分析並進行風險評估 </a:t>
-            </a:r>
-          </a:p>
-          <a:p>
-            <a:r>
-              <a:rPr lang="en-US" altLang="zh-TW" sz="2400" dirty="0">
-                <a:latin typeface="微軟正黑體" panose="020B0604030504040204" pitchFamily="34" charset="-120"/>
-                <a:ea typeface="微軟正黑體" panose="020B0604030504040204" pitchFamily="34" charset="-120"/>
-              </a:rPr>
-              <a:t>Docker service compatibility</a:t>
-            </a:r>
-          </a:p>
-          <a:p>
-            <a:r>
-              <a:rPr lang="zh-TW" altLang="en-US" sz="2400" dirty="0">
-                <a:latin typeface="微軟正黑體" panose="020B0604030504040204" pitchFamily="34" charset="-120"/>
-                <a:ea typeface="微軟正黑體" panose="020B0604030504040204" pitchFamily="34" charset="-120"/>
-              </a:rPr>
-              <a:t>風險套件管理</a:t>
-            </a:r>
-            <a:endParaRPr lang="en-US" altLang="zh-TW" sz="2400" dirty="0">
-              <a:latin typeface="微軟正黑體" panose="020B0604030504040204" pitchFamily="34" charset="-120"/>
-              <a:ea typeface="微軟正黑體" panose="020B0604030504040204" pitchFamily="34" charset="-120"/>
-            </a:endParaRPr>
-          </a:p>
-          <a:p>
-            <a:r>
-              <a:rPr lang="zh-TW" altLang="en-US" sz="2400" dirty="0">
-                <a:latin typeface="微軟正黑體" panose="020B0604030504040204" pitchFamily="34" charset="-120"/>
-                <a:ea typeface="微軟正黑體" panose="020B0604030504040204" pitchFamily="34" charset="-120"/>
-              </a:rPr>
-              <a:t>自動化風險評估樹</a:t>
-            </a:r>
-            <a:endParaRPr lang="en-US" altLang="zh-TW" sz="2400" dirty="0">
-              <a:latin typeface="微軟正黑體" panose="020B0604030504040204" pitchFamily="34" charset="-120"/>
-              <a:ea typeface="微軟正黑體" panose="020B0604030504040204" pitchFamily="34" charset="-120"/>
-            </a:endParaRPr>
-          </a:p>
-          <a:p>
-            <a:endParaRPr lang="zh-TW" altLang="en-US" dirty="0"/>
+              <a:t>降低成本</a:t>
+            </a:r>
+            <a:endParaRPr lang="zh-TW" altLang="en-US" sz="4400" dirty="0"/>
           </a:p>
         </p:txBody>
       </p:sp>
@@ -5319,8 +5146,8 @@
         </p:nvSpPr>
         <p:spPr>
           <a:xfrm>
-            <a:off x="541537" y="825623"/>
-            <a:ext cx="3764132" cy="1107996"/>
+            <a:off x="889283" y="841918"/>
+            <a:ext cx="4987885" cy="1015663"/>
           </a:xfrm>
           <a:prstGeom prst="rect">
             <a:avLst/>
@@ -5334,26 +5161,20 @@
           <a:lstStyle/>
           <a:p>
             <a:r>
-              <a:rPr lang="en-US" altLang="zh-TW" sz="4800" dirty="0">
+              <a:rPr lang="en-US" altLang="zh-TW" sz="6000" b="1" dirty="0">
                 <a:latin typeface="微軟正黑體" panose="020B0604030504040204" pitchFamily="34" charset="-120"/>
                 <a:ea typeface="微軟正黑體" panose="020B0604030504040204" pitchFamily="34" charset="-120"/>
               </a:rPr>
-              <a:t>Feature</a:t>
-            </a:r>
-            <a:endParaRPr lang="zh-TW" altLang="en-US" sz="4800" dirty="0">
-              <a:latin typeface="微軟正黑體" panose="020B0604030504040204" pitchFamily="34" charset="-120"/>
-              <a:ea typeface="微軟正黑體" panose="020B0604030504040204" pitchFamily="34" charset="-120"/>
-            </a:endParaRPr>
-          </a:p>
-          <a:p>
-            <a:endParaRPr lang="zh-TW" altLang="en-US" dirty="0"/>
+              <a:t>What to do</a:t>
+            </a:r>
+            <a:endParaRPr lang="zh-TW" altLang="en-US" sz="2400" b="1" dirty="0"/>
           </a:p>
         </p:txBody>
       </p:sp>
     </p:spTree>
     <p:extLst>
       <p:ext uri="{BB962C8B-B14F-4D97-AF65-F5344CB8AC3E}">
-        <p14:creationId xmlns:p14="http://schemas.microsoft.com/office/powerpoint/2010/main" val="153509279"/>
+        <p14:creationId xmlns:p14="http://schemas.microsoft.com/office/powerpoint/2010/main" val="4127138881"/>
       </p:ext>
     </p:extLst>
   </p:cSld>
@@ -5385,7 +5206,7 @@
           <p:cNvPr id="2" name="文字方塊 1">
             <a:extLst>
               <a:ext uri="{FF2B5EF4-FFF2-40B4-BE49-F238E27FC236}">
-                <a16:creationId xmlns:a16="http://schemas.microsoft.com/office/drawing/2014/main" id="{B4AB42E0-7A8E-4DA9-B525-041E31E1F55D}"/>
+                <a16:creationId xmlns:a16="http://schemas.microsoft.com/office/drawing/2014/main" id="{CB2D8B3B-2FB8-43F6-ACD7-A1F7F1381F92}"/>
               </a:ext>
             </a:extLst>
           </p:cNvPr>
@@ -5394,8 +5215,8 @@
         </p:nvSpPr>
         <p:spPr>
           <a:xfrm>
-            <a:off x="594803" y="905523"/>
-            <a:ext cx="9552374" cy="830997"/>
+            <a:off x="2380202" y="3048454"/>
+            <a:ext cx="7776839" cy="1754326"/>
           </a:xfrm>
           <a:prstGeom prst="rect">
             <a:avLst/>
@@ -5409,76 +5230,24 @@
           <a:lstStyle/>
           <a:p>
             <a:r>
-              <a:rPr lang="zh-TW" altLang="en-US" sz="4800" dirty="0">
-                <a:latin typeface="微軟正黑體" panose="020B0604030504040204" pitchFamily="34" charset="-120"/>
-                <a:ea typeface="微軟正黑體" panose="020B0604030504040204" pitchFamily="34" charset="-120"/>
-              </a:rPr>
-              <a:t>機密資訊安全        弱點管理系統 </a:t>
-            </a:r>
-          </a:p>
-        </p:txBody>
-      </p:sp>
-      <p:sp>
-        <p:nvSpPr>
-          <p:cNvPr id="3" name="文字方塊 2">
-            <a:extLst>
-              <a:ext uri="{FF2B5EF4-FFF2-40B4-BE49-F238E27FC236}">
-                <a16:creationId xmlns:a16="http://schemas.microsoft.com/office/drawing/2014/main" id="{D4AA29EA-679E-4682-8A6F-EA6E93A4F17E}"/>
-              </a:ext>
-            </a:extLst>
-          </p:cNvPr>
-          <p:cNvSpPr txBox="1"/>
-          <p:nvPr/>
-        </p:nvSpPr>
-        <p:spPr>
-          <a:xfrm>
-            <a:off x="825623" y="2828835"/>
-            <a:ext cx="7466119" cy="1200329"/>
-          </a:xfrm>
-          <a:prstGeom prst="rect">
-            <a:avLst/>
-          </a:prstGeom>
-          <a:noFill/>
-        </p:spPr>
-        <p:txBody>
-          <a:bodyPr wrap="square" rtlCol="0">
-            <a:spAutoFit/>
-          </a:bodyPr>
-          <a:lstStyle/>
-          <a:p>
-            <a:r>
-              <a:rPr kumimoji="1" lang="en-US" altLang="zh-TW" sz="2400" dirty="0">
-                <a:latin typeface="微軟正黑體" panose="020B0604030504040204" pitchFamily="34" charset="-120"/>
-                <a:ea typeface="微軟正黑體" panose="020B0604030504040204" pitchFamily="34" charset="-120"/>
-              </a:rPr>
-              <a:t>Secrets Vault</a:t>
-            </a:r>
-          </a:p>
-          <a:p>
-            <a:pPr marL="342900" indent="-342900">
-              <a:buFont typeface="Arial" panose="020B0604020202020204" pitchFamily="34" charset="0"/>
-              <a:buChar char="•"/>
-            </a:pPr>
-            <a:r>
               <a:rPr lang="zh-TW" altLang="en-US" sz="2400" dirty="0">
                 <a:latin typeface="微軟正黑體" panose="020B0604030504040204" pitchFamily="34" charset="-120"/>
                 <a:ea typeface="微軟正黑體" panose="020B0604030504040204" pitchFamily="34" charset="-120"/>
               </a:rPr>
-              <a:t>儲存在 </a:t>
-            </a:r>
-            <a:r>
-              <a:rPr lang="en-US" altLang="zh-TW" sz="2400" dirty="0">
-                <a:latin typeface="微軟正黑體" panose="020B0604030504040204" pitchFamily="34" charset="-120"/>
-                <a:ea typeface="微軟正黑體" panose="020B0604030504040204" pitchFamily="34" charset="-120"/>
-              </a:rPr>
-              <a:t>vault </a:t>
-            </a:r>
+              <a:t>機密資訊安全</a:t>
+            </a:r>
+            <a:endParaRPr lang="en-US" altLang="zh-TW" sz="2400" dirty="0">
+              <a:latin typeface="微軟正黑體" panose="020B0604030504040204" pitchFamily="34" charset="-120"/>
+              <a:ea typeface="微軟正黑體" panose="020B0604030504040204" pitchFamily="34" charset="-120"/>
+            </a:endParaRPr>
+          </a:p>
+          <a:p>
             <a:r>
               <a:rPr lang="zh-TW" altLang="en-US" sz="2400" dirty="0">
                 <a:latin typeface="微軟正黑體" panose="020B0604030504040204" pitchFamily="34" charset="-120"/>
                 <a:ea typeface="微軟正黑體" panose="020B0604030504040204" pitchFamily="34" charset="-120"/>
               </a:rPr>
-              <a:t>內的資料都會經過加密</a:t>
+              <a:t>原始碼安全</a:t>
             </a:r>
             <a:endParaRPr lang="en-US" altLang="zh-TW" sz="2400" dirty="0">
               <a:latin typeface="微軟正黑體" panose="020B0604030504040204" pitchFamily="34" charset="-120"/>
@@ -5486,70 +5255,45 @@
             </a:endParaRPr>
           </a:p>
           <a:p>
-            <a:pPr marL="342900" indent="-342900">
-              <a:buFont typeface="Arial" panose="020B0604020202020204" pitchFamily="34" charset="0"/>
-              <a:buChar char="•"/>
-            </a:pPr>
             <a:r>
               <a:rPr lang="zh-TW" altLang="en-US" sz="2400" dirty="0">
                 <a:latin typeface="微軟正黑體" panose="020B0604030504040204" pitchFamily="34" charset="-120"/>
                 <a:ea typeface="微軟正黑體" panose="020B0604030504040204" pitchFamily="34" charset="-120"/>
               </a:rPr>
-              <a:t>動態產生憑證並且設定過期的期限</a:t>
-            </a:r>
-          </a:p>
-        </p:txBody>
-      </p:sp>
-      <p:sp>
-        <p:nvSpPr>
-          <p:cNvPr id="6" name="箭號: 左-右雙向 5">
-            <a:extLst>
-              <a:ext uri="{FF2B5EF4-FFF2-40B4-BE49-F238E27FC236}">
-                <a16:creationId xmlns:a16="http://schemas.microsoft.com/office/drawing/2014/main" id="{EEDBC5EA-DB63-40BC-9FAE-BC2859B0CC23}"/>
-              </a:ext>
-            </a:extLst>
-          </p:cNvPr>
-          <p:cNvSpPr/>
-          <p:nvPr/>
-        </p:nvSpPr>
-        <p:spPr>
-          <a:xfrm>
-            <a:off x="4332302" y="1054691"/>
-            <a:ext cx="1118586" cy="532660"/>
-          </a:xfrm>
-          <a:prstGeom prst="leftRightArrow">
-            <a:avLst/>
-          </a:prstGeom>
-        </p:spPr>
-        <p:style>
-          <a:lnRef idx="2">
-            <a:schemeClr val="accent1">
-              <a:shade val="50000"/>
-            </a:schemeClr>
-          </a:lnRef>
-          <a:fillRef idx="1">
-            <a:schemeClr val="accent1"/>
-          </a:fillRef>
-          <a:effectRef idx="0">
-            <a:schemeClr val="accent1"/>
-          </a:effectRef>
-          <a:fontRef idx="minor">
-            <a:schemeClr val="lt1"/>
-          </a:fontRef>
-        </p:style>
-        <p:txBody>
-          <a:bodyPr rtlCol="0" anchor="ctr"/>
-          <a:lstStyle/>
-          <a:p>
-            <a:pPr algn="ctr"/>
-            <a:endParaRPr lang="zh-TW" altLang="en-US"/>
+              <a:t>服務環境安全</a:t>
+            </a:r>
+            <a:endParaRPr lang="en-US" altLang="zh-TW" sz="2400" dirty="0">
+              <a:latin typeface="微軟正黑體" panose="020B0604030504040204" pitchFamily="34" charset="-120"/>
+              <a:ea typeface="微軟正黑體" panose="020B0604030504040204" pitchFamily="34" charset="-120"/>
+            </a:endParaRPr>
+          </a:p>
+          <a:p>
+            <a:r>
+              <a:rPr lang="en-US" altLang="zh-TW" dirty="0"/>
+              <a:t>+ </a:t>
+            </a:r>
+            <a:r>
+              <a:rPr lang="zh-TW" altLang="en-US" dirty="0"/>
+              <a:t>自動化</a:t>
+            </a:r>
+            <a:endParaRPr lang="en-US" altLang="zh-TW" dirty="0"/>
+          </a:p>
+          <a:p>
+            <a:r>
+              <a:rPr lang="en-US" altLang="zh-TW" dirty="0"/>
+              <a:t>=</a:t>
+            </a:r>
+            <a:r>
+              <a:rPr lang="zh-TW" altLang="en-US" dirty="0"/>
+              <a:t> 弱點管理系統</a:t>
+            </a:r>
           </a:p>
         </p:txBody>
       </p:sp>
     </p:spTree>
     <p:extLst>
       <p:ext uri="{BB962C8B-B14F-4D97-AF65-F5344CB8AC3E}">
-        <p14:creationId xmlns:p14="http://schemas.microsoft.com/office/powerpoint/2010/main" val="3558655576"/>
+        <p14:creationId xmlns:p14="http://schemas.microsoft.com/office/powerpoint/2010/main" val="153509279"/>
       </p:ext>
     </p:extLst>
   </p:cSld>
@@ -5590,8 +5334,8 @@
         </p:nvSpPr>
         <p:spPr>
           <a:xfrm>
-            <a:off x="594803" y="905523"/>
-            <a:ext cx="9552374" cy="830997"/>
+            <a:off x="618248" y="866448"/>
+            <a:ext cx="9552374" cy="1015663"/>
           </a:xfrm>
           <a:prstGeom prst="rect">
             <a:avLst/>
@@ -5605,11 +5349,11 @@
           <a:lstStyle/>
           <a:p>
             <a:r>
-              <a:rPr lang="zh-TW" altLang="en-US" sz="4800" dirty="0">
+              <a:rPr lang="zh-TW" altLang="en-US" sz="6000" b="1" dirty="0">
                 <a:latin typeface="微軟正黑體" panose="020B0604030504040204" pitchFamily="34" charset="-120"/>
                 <a:ea typeface="微軟正黑體" panose="020B0604030504040204" pitchFamily="34" charset="-120"/>
               </a:rPr>
-              <a:t>原始碼安全        弱點管理系統</a:t>
+              <a:t>機密資訊安全</a:t>
             </a:r>
           </a:p>
         </p:txBody>
@@ -5628,8 +5372,8 @@
         </p:nvSpPr>
         <p:spPr>
           <a:xfrm>
-            <a:off x="798990" y="3038355"/>
-            <a:ext cx="7466119" cy="1938992"/>
+            <a:off x="825623" y="2828835"/>
+            <a:ext cx="7466119" cy="1200329"/>
           </a:xfrm>
           <a:prstGeom prst="rect">
             <a:avLst/>
@@ -5647,7 +5391,7 @@
                 <a:latin typeface="微軟正黑體" panose="020B0604030504040204" pitchFamily="34" charset="-120"/>
                 <a:ea typeface="微軟正黑體" panose="020B0604030504040204" pitchFamily="34" charset="-120"/>
               </a:rPr>
-              <a:t>Third-party package coverage</a:t>
+              <a:t>Secrets Vault</a:t>
             </a:r>
           </a:p>
           <a:p>
@@ -5656,13 +5400,27 @@
               <a:buChar char="•"/>
             </a:pPr>
             <a:r>
-              <a:rPr kumimoji="1" lang="zh-TW" altLang="en-US" sz="2400" dirty="0">
+              <a:rPr lang="zh-TW" altLang="en-US" sz="2400" dirty="0">
                 <a:latin typeface="微軟正黑體" panose="020B0604030504040204" pitchFamily="34" charset="-120"/>
                 <a:ea typeface="微軟正黑體" panose="020B0604030504040204" pitchFamily="34" charset="-120"/>
               </a:rPr>
-              <a:t>計算各個第三方套件的程式碼覆蓋率</a:t>
-            </a:r>
-            <a:endParaRPr kumimoji="1" lang="en-US" altLang="zh-TW" sz="2400" dirty="0">
+              <a:t>儲存在 </a:t>
+            </a:r>
+            <a:r>
+              <a:rPr lang="en-US" altLang="zh-TW" sz="2400" dirty="0">
+                <a:latin typeface="微軟正黑體" panose="020B0604030504040204" pitchFamily="34" charset="-120"/>
+                <a:ea typeface="微軟正黑體" panose="020B0604030504040204" pitchFamily="34" charset="-120"/>
+              </a:rPr>
+              <a:t>vault </a:t>
+            </a:r>
+            <a:r>
+              <a:rPr lang="zh-TW" altLang="en-US" sz="2400" dirty="0">
+                <a:latin typeface="微軟正黑體" panose="020B0604030504040204" pitchFamily="34" charset="-120"/>
+                <a:ea typeface="微軟正黑體" panose="020B0604030504040204" pitchFamily="34" charset="-120"/>
+              </a:rPr>
+              <a:t>內的資料都會經過加密</a:t>
+            </a:r>
+            <a:endParaRPr lang="en-US" altLang="zh-TW" sz="2400" dirty="0">
               <a:latin typeface="微軟正黑體" panose="020B0604030504040204" pitchFamily="34" charset="-120"/>
               <a:ea typeface="微軟正黑體" panose="020B0604030504040204" pitchFamily="34" charset="-120"/>
             </a:endParaRPr>
@@ -5673,85 +5431,19 @@
               <a:buChar char="•"/>
             </a:pPr>
             <a:r>
-              <a:rPr kumimoji="1" lang="zh-TW" altLang="en-US" sz="2400" dirty="0">
+              <a:rPr lang="zh-TW" altLang="en-US" sz="2400" dirty="0">
                 <a:latin typeface="微軟正黑體" panose="020B0604030504040204" pitchFamily="34" charset="-120"/>
                 <a:ea typeface="微軟正黑體" panose="020B0604030504040204" pitchFamily="34" charset="-120"/>
               </a:rPr>
-              <a:t>搭配上套件安全性</a:t>
-            </a:r>
-            <a:endParaRPr kumimoji="1" lang="en-US" altLang="zh-TW" sz="2400" dirty="0">
-              <a:latin typeface="微軟正黑體" panose="020B0604030504040204" pitchFamily="34" charset="-120"/>
-              <a:ea typeface="微軟正黑體" panose="020B0604030504040204" pitchFamily="34" charset="-120"/>
-            </a:endParaRPr>
-          </a:p>
-          <a:p>
-            <a:pPr marL="342900" indent="-342900">
-              <a:buFont typeface="Arial" panose="020B0604020202020204" pitchFamily="34" charset="0"/>
-              <a:buChar char="•"/>
-            </a:pPr>
-            <a:r>
-              <a:rPr kumimoji="1" lang="zh-TW" altLang="en-US" sz="2400" dirty="0">
-                <a:latin typeface="微軟正黑體" panose="020B0604030504040204" pitchFamily="34" charset="-120"/>
-                <a:ea typeface="微軟正黑體" panose="020B0604030504040204" pitchFamily="34" charset="-120"/>
-              </a:rPr>
-              <a:t>提供建議給開發人員哪個套件要先更新</a:t>
-            </a:r>
-          </a:p>
-          <a:p>
-            <a:endParaRPr lang="zh-TW" altLang="en-US" sz="2400" dirty="0"/>
-          </a:p>
-        </p:txBody>
-      </p:sp>
-      <p:sp>
-        <p:nvSpPr>
-          <p:cNvPr id="4" name="箭號: 左-右雙向 3">
-            <a:extLst>
-              <a:ext uri="{FF2B5EF4-FFF2-40B4-BE49-F238E27FC236}">
-                <a16:creationId xmlns:a16="http://schemas.microsoft.com/office/drawing/2014/main" id="{B836796C-486E-4140-A775-BBF5723E0163}"/>
-              </a:ext>
-            </a:extLst>
-          </p:cNvPr>
-          <p:cNvSpPr/>
-          <p:nvPr/>
-        </p:nvSpPr>
-        <p:spPr>
-          <a:xfrm>
-            <a:off x="3781887" y="1054691"/>
-            <a:ext cx="1118586" cy="532660"/>
-          </a:xfrm>
-          <a:prstGeom prst="leftRightArrow">
-            <a:avLst/>
-          </a:prstGeom>
-        </p:spPr>
-        <p:style>
-          <a:lnRef idx="2">
-            <a:schemeClr val="accent1">
-              <a:shade val="50000"/>
-            </a:schemeClr>
-          </a:lnRef>
-          <a:fillRef idx="1">
-            <a:schemeClr val="accent1"/>
-          </a:fillRef>
-          <a:effectRef idx="0">
-            <a:schemeClr val="accent1"/>
-          </a:effectRef>
-          <a:fontRef idx="minor">
-            <a:schemeClr val="lt1"/>
-          </a:fontRef>
-        </p:style>
-        <p:txBody>
-          <a:bodyPr rtlCol="0" anchor="ctr"/>
-          <a:lstStyle/>
-          <a:p>
-            <a:pPr algn="ctr"/>
-            <a:endParaRPr lang="zh-TW" altLang="en-US"/>
+              <a:t>動態產生憑證並且設定過期的期限</a:t>
+            </a:r>
           </a:p>
         </p:txBody>
       </p:sp>
     </p:spTree>
     <p:extLst>
       <p:ext uri="{BB962C8B-B14F-4D97-AF65-F5344CB8AC3E}">
-        <p14:creationId xmlns:p14="http://schemas.microsoft.com/office/powerpoint/2010/main" val="476060588"/>
+        <p14:creationId xmlns:p14="http://schemas.microsoft.com/office/powerpoint/2010/main" val="3558655576"/>
       </p:ext>
     </p:extLst>
   </p:cSld>
@@ -5792,8 +5484,8 @@
         </p:nvSpPr>
         <p:spPr>
           <a:xfrm>
-            <a:off x="594803" y="905523"/>
-            <a:ext cx="9552374" cy="830997"/>
+            <a:off x="774557" y="866446"/>
+            <a:ext cx="4180397" cy="1015663"/>
           </a:xfrm>
           <a:prstGeom prst="rect">
             <a:avLst/>
@@ -5807,11 +5499,11 @@
           <a:lstStyle/>
           <a:p>
             <a:r>
-              <a:rPr lang="zh-TW" altLang="en-US" sz="4800" dirty="0">
+              <a:rPr lang="zh-TW" altLang="en-US" sz="6000" b="1" dirty="0">
                 <a:latin typeface="微軟正黑體" panose="020B0604030504040204" pitchFamily="34" charset="-120"/>
                 <a:ea typeface="微軟正黑體" panose="020B0604030504040204" pitchFamily="34" charset="-120"/>
               </a:rPr>
-              <a:t>原始碼安全        弱點管理系統</a:t>
+              <a:t>原始碼安全</a:t>
             </a:r>
           </a:p>
         </p:txBody>
@@ -5831,7 +5523,7 @@
         <p:spPr>
           <a:xfrm>
             <a:off x="958788" y="2940700"/>
-            <a:ext cx="7466119" cy="461665"/>
+            <a:ext cx="7466119" cy="2308324"/>
           </a:xfrm>
           <a:prstGeom prst="rect">
             <a:avLst/>
@@ -5858,53 +5550,69 @@
               </a:rPr>
               <a:t>結合自動化安全分析</a:t>
             </a:r>
+            <a:endParaRPr kumimoji="1" lang="en-US" altLang="zh-TW" sz="2400" dirty="0">
+              <a:latin typeface="微軟正黑體" panose="020B0604030504040204" pitchFamily="34" charset="-120"/>
+              <a:ea typeface="微軟正黑體" panose="020B0604030504040204" pitchFamily="34" charset="-120"/>
+            </a:endParaRPr>
+          </a:p>
+          <a:p>
+            <a:r>
+              <a:rPr kumimoji="1" lang="en-US" altLang="zh-TW" sz="2400" dirty="0">
+                <a:latin typeface="微軟正黑體" panose="020B0604030504040204" pitchFamily="34" charset="-120"/>
+                <a:ea typeface="微軟正黑體" panose="020B0604030504040204" pitchFamily="34" charset="-120"/>
+              </a:rPr>
+              <a:t>Third-party package coverage</a:t>
+            </a:r>
+          </a:p>
+          <a:p>
+            <a:pPr marL="342900" indent="-342900">
+              <a:buFont typeface="Arial" panose="020B0604020202020204" pitchFamily="34" charset="0"/>
+              <a:buChar char="•"/>
+            </a:pPr>
+            <a:r>
+              <a:rPr kumimoji="1" lang="zh-TW" altLang="en-US" sz="2400" dirty="0">
+                <a:latin typeface="微軟正黑體" panose="020B0604030504040204" pitchFamily="34" charset="-120"/>
+                <a:ea typeface="微軟正黑體" panose="020B0604030504040204" pitchFamily="34" charset="-120"/>
+              </a:rPr>
+              <a:t>計算各個第三方套件的程式碼覆蓋率</a:t>
+            </a:r>
+            <a:endParaRPr kumimoji="1" lang="en-US" altLang="zh-TW" sz="2400" dirty="0">
+              <a:latin typeface="微軟正黑體" panose="020B0604030504040204" pitchFamily="34" charset="-120"/>
+              <a:ea typeface="微軟正黑體" panose="020B0604030504040204" pitchFamily="34" charset="-120"/>
+            </a:endParaRPr>
+          </a:p>
+          <a:p>
+            <a:pPr marL="342900" indent="-342900">
+              <a:buFont typeface="Arial" panose="020B0604020202020204" pitchFamily="34" charset="0"/>
+              <a:buChar char="•"/>
+            </a:pPr>
+            <a:r>
+              <a:rPr kumimoji="1" lang="zh-TW" altLang="en-US" sz="2400" dirty="0">
+                <a:latin typeface="微軟正黑體" panose="020B0604030504040204" pitchFamily="34" charset="-120"/>
+                <a:ea typeface="微軟正黑體" panose="020B0604030504040204" pitchFamily="34" charset="-120"/>
+              </a:rPr>
+              <a:t>搭配上套件安全性</a:t>
+            </a:r>
+            <a:endParaRPr kumimoji="1" lang="en-US" altLang="zh-TW" sz="2400" dirty="0">
+              <a:latin typeface="微軟正黑體" panose="020B0604030504040204" pitchFamily="34" charset="-120"/>
+              <a:ea typeface="微軟正黑體" panose="020B0604030504040204" pitchFamily="34" charset="-120"/>
+            </a:endParaRPr>
+          </a:p>
+          <a:p>
+            <a:pPr marL="342900" indent="-342900">
+              <a:buFont typeface="Arial" panose="020B0604020202020204" pitchFamily="34" charset="0"/>
+              <a:buChar char="•"/>
+            </a:pPr>
+            <a:r>
+              <a:rPr kumimoji="1" lang="zh-TW" altLang="en-US" sz="2400" dirty="0">
+                <a:latin typeface="微軟正黑體" panose="020B0604030504040204" pitchFamily="34" charset="-120"/>
+                <a:ea typeface="微軟正黑體" panose="020B0604030504040204" pitchFamily="34" charset="-120"/>
+              </a:rPr>
+              <a:t>提供建議給開發人員哪個套件要先更新</a:t>
+            </a:r>
+          </a:p>
+          <a:p>
             <a:endParaRPr lang="zh-TW" altLang="en-US" sz="2400" dirty="0"/>
-          </a:p>
-        </p:txBody>
-      </p:sp>
-      <p:sp>
-        <p:nvSpPr>
-          <p:cNvPr id="4" name="箭號: 左-右雙向 3">
-            <a:extLst>
-              <a:ext uri="{FF2B5EF4-FFF2-40B4-BE49-F238E27FC236}">
-                <a16:creationId xmlns:a16="http://schemas.microsoft.com/office/drawing/2014/main" id="{0EF3729A-4D64-4D6E-9709-FA6D5CF3A105}"/>
-              </a:ext>
-            </a:extLst>
-          </p:cNvPr>
-          <p:cNvSpPr/>
-          <p:nvPr/>
-        </p:nvSpPr>
-        <p:spPr>
-          <a:xfrm>
-            <a:off x="3835153" y="1054691"/>
-            <a:ext cx="1118586" cy="532660"/>
-          </a:xfrm>
-          <a:prstGeom prst="leftRightArrow">
-            <a:avLst/>
-          </a:prstGeom>
-        </p:spPr>
-        <p:style>
-          <a:lnRef idx="2">
-            <a:schemeClr val="accent1">
-              <a:shade val="50000"/>
-            </a:schemeClr>
-          </a:lnRef>
-          <a:fillRef idx="1">
-            <a:schemeClr val="accent1"/>
-          </a:fillRef>
-          <a:effectRef idx="0">
-            <a:schemeClr val="accent1"/>
-          </a:effectRef>
-          <a:fontRef idx="minor">
-            <a:schemeClr val="lt1"/>
-          </a:fontRef>
-        </p:style>
-        <p:txBody>
-          <a:bodyPr rtlCol="0" anchor="ctr"/>
-          <a:lstStyle/>
-          <a:p>
-            <a:pPr algn="ctr"/>
-            <a:endParaRPr lang="zh-TW" altLang="en-US"/>
           </a:p>
         </p:txBody>
       </p:sp>

--- a/AIS3 dragon security.pptx
+++ b/AIS3 dragon security.pptx
@@ -15,11 +15,12 @@
     <p:sldId id="264" r:id="rId9"/>
     <p:sldId id="271" r:id="rId10"/>
     <p:sldId id="273" r:id="rId11"/>
-    <p:sldId id="274" r:id="rId12"/>
-    <p:sldId id="270" r:id="rId13"/>
-    <p:sldId id="276" r:id="rId14"/>
-    <p:sldId id="275" r:id="rId15"/>
-    <p:sldId id="272" r:id="rId16"/>
+    <p:sldId id="278" r:id="rId12"/>
+    <p:sldId id="274" r:id="rId13"/>
+    <p:sldId id="270" r:id="rId14"/>
+    <p:sldId id="276" r:id="rId15"/>
+    <p:sldId id="275" r:id="rId16"/>
+    <p:sldId id="272" r:id="rId17"/>
   </p:sldIdLst>
   <p:sldSz cx="12192000" cy="6858000"/>
   <p:notesSz cx="6858000" cy="9144000"/>
@@ -4027,7 +4028,7 @@
                 <a:latin typeface="微軟正黑體" panose="020B0604030504040204" pitchFamily="34" charset="-120"/>
                 <a:ea typeface="微軟正黑體" panose="020B0604030504040204" pitchFamily="34" charset="-120"/>
               </a:rPr>
-              <a:t>服務環境安全</a:t>
+              <a:t>程式碼安全</a:t>
             </a:r>
           </a:p>
         </p:txBody>
@@ -4130,8 +4131,8 @@
         </p:nvSpPr>
         <p:spPr>
           <a:xfrm>
-            <a:off x="704218" y="749216"/>
-            <a:ext cx="5008828" cy="1015663"/>
+            <a:off x="758925" y="811738"/>
+            <a:ext cx="4868152" cy="1015663"/>
           </a:xfrm>
           <a:prstGeom prst="rect">
             <a:avLst/>
@@ -4145,16 +4146,12 @@
           <a:lstStyle/>
           <a:p>
             <a:r>
-              <a:rPr lang="en-US" altLang="zh-TW" sz="6000" b="1" dirty="0">
+              <a:rPr lang="zh-TW" altLang="en-US" sz="6000" b="1" dirty="0">
                 <a:latin typeface="微軟正黑體" panose="020B0604030504040204" pitchFamily="34" charset="-120"/>
                 <a:ea typeface="微軟正黑體" panose="020B0604030504040204" pitchFamily="34" charset="-120"/>
               </a:rPr>
-              <a:t>All Together!</a:t>
-            </a:r>
-            <a:endParaRPr lang="zh-TW" altLang="en-US" sz="6000" b="1" dirty="0">
-              <a:latin typeface="微軟正黑體" panose="020B0604030504040204" pitchFamily="34" charset="-120"/>
-              <a:ea typeface="微軟正黑體" panose="020B0604030504040204" pitchFamily="34" charset="-120"/>
-            </a:endParaRPr>
+              <a:t>服務環境安全</a:t>
+            </a:r>
           </a:p>
         </p:txBody>
       </p:sp>
@@ -4173,7 +4170,7 @@
         <p:spPr>
           <a:xfrm>
             <a:off x="958788" y="2940700"/>
-            <a:ext cx="7466119" cy="1846659"/>
+            <a:ext cx="7466119" cy="830997"/>
           </a:xfrm>
           <a:prstGeom prst="rect">
             <a:avLst/>
@@ -4187,94 +4184,35 @@
           <a:lstStyle/>
           <a:p>
             <a:r>
+              <a:rPr kumimoji="1" lang="en-US" altLang="zh-TW" sz="2400" dirty="0">
+                <a:latin typeface="微軟正黑體" panose="020B0604030504040204" pitchFamily="34" charset="-120"/>
+                <a:ea typeface="微軟正黑體" panose="020B0604030504040204" pitchFamily="34" charset="-120"/>
+              </a:rPr>
+              <a:t>Docker service compatibility</a:t>
+            </a:r>
+          </a:p>
+          <a:p>
+            <a:r>
+              <a:rPr lang="en-US" altLang="zh-TW" sz="2400" dirty="0">
+                <a:latin typeface="微軟正黑體" panose="020B0604030504040204" pitchFamily="34" charset="-120"/>
+                <a:ea typeface="微軟正黑體" panose="020B0604030504040204" pitchFamily="34" charset="-120"/>
+              </a:rPr>
+              <a:t>Stage</a:t>
+            </a:r>
+            <a:r>
               <a:rPr lang="zh-TW" altLang="en-US" sz="2400" dirty="0">
                 <a:latin typeface="微軟正黑體" panose="020B0604030504040204" pitchFamily="34" charset="-120"/>
                 <a:ea typeface="微軟正黑體" panose="020B0604030504040204" pitchFamily="34" charset="-120"/>
               </a:rPr>
-              <a:t>系統環境進行自動化分析並進行風險評估</a:t>
-            </a:r>
-            <a:endParaRPr lang="en-US" altLang="zh-TW" sz="2400" dirty="0">
-              <a:latin typeface="微軟正黑體" panose="020B0604030504040204" pitchFamily="34" charset="-120"/>
-              <a:ea typeface="微軟正黑體" panose="020B0604030504040204" pitchFamily="34" charset="-120"/>
-            </a:endParaRPr>
-          </a:p>
-          <a:p>
-            <a:pPr marL="342900" indent="-342900">
-              <a:buFont typeface="Arial" panose="020B0604020202020204" pitchFamily="34" charset="0"/>
-              <a:buChar char="•"/>
-            </a:pPr>
-            <a:r>
-              <a:rPr lang="zh-TW" altLang="en-US" sz="2400" dirty="0">
-                <a:latin typeface="微軟正黑體" panose="020B0604030504040204" pitchFamily="34" charset="-120"/>
-                <a:ea typeface="微軟正黑體" panose="020B0604030504040204" pitchFamily="34" charset="-120"/>
-              </a:rPr>
-              <a:t>風險套件管理</a:t>
-            </a:r>
-            <a:endParaRPr lang="en-US" altLang="zh-TW" sz="2400" dirty="0">
-              <a:latin typeface="微軟正黑體" panose="020B0604030504040204" pitchFamily="34" charset="-120"/>
-              <a:ea typeface="微軟正黑體" panose="020B0604030504040204" pitchFamily="34" charset="-120"/>
-            </a:endParaRPr>
-          </a:p>
-          <a:p>
-            <a:pPr marL="342900" indent="-342900">
-              <a:buFont typeface="Arial" panose="020B0604020202020204" pitchFamily="34" charset="0"/>
-              <a:buChar char="•"/>
-            </a:pPr>
-            <a:r>
-              <a:rPr lang="zh-TW" altLang="en-US" sz="2400" dirty="0">
-                <a:latin typeface="微軟正黑體" panose="020B0604030504040204" pitchFamily="34" charset="-120"/>
-                <a:ea typeface="微軟正黑體" panose="020B0604030504040204" pitchFamily="34" charset="-120"/>
-              </a:rPr>
-              <a:t>自動化風險評估樹</a:t>
-            </a:r>
-            <a:endParaRPr lang="en-US" altLang="zh-TW" sz="2400" dirty="0">
-              <a:latin typeface="微軟正黑體" panose="020B0604030504040204" pitchFamily="34" charset="-120"/>
-              <a:ea typeface="微軟正黑體" panose="020B0604030504040204" pitchFamily="34" charset="-120"/>
-            </a:endParaRPr>
-          </a:p>
-          <a:p>
-            <a:pPr marL="342900" indent="-342900">
-              <a:buFont typeface="Arial" panose="020B0604020202020204" pitchFamily="34" charset="0"/>
-              <a:buChar char="•"/>
-            </a:pPr>
-            <a:r>
-              <a:rPr lang="zh-TW" altLang="en-US" sz="2400" dirty="0">
-                <a:latin typeface="微軟正黑體" panose="020B0604030504040204" pitchFamily="34" charset="-120"/>
-                <a:ea typeface="微軟正黑體" panose="020B0604030504040204" pitchFamily="34" charset="-120"/>
-              </a:rPr>
-              <a:t>根據</a:t>
-            </a:r>
-            <a:r>
-              <a:rPr lang="en-US" altLang="zh-TW" sz="2400" dirty="0">
-                <a:latin typeface="微軟正黑體" panose="020B0604030504040204" pitchFamily="34" charset="-120"/>
-                <a:ea typeface="微軟正黑體" panose="020B0604030504040204" pitchFamily="34" charset="-120"/>
-              </a:rPr>
-              <a:t>client</a:t>
-            </a:r>
-            <a:r>
-              <a:rPr lang="zh-TW" altLang="en-US" sz="2400" dirty="0">
-                <a:latin typeface="微軟正黑體" panose="020B0604030504040204" pitchFamily="34" charset="-120"/>
-                <a:ea typeface="微軟正黑體" panose="020B0604030504040204" pitchFamily="34" charset="-120"/>
-              </a:rPr>
-              <a:t>自填服務價值來動態生成</a:t>
-            </a:r>
-          </a:p>
-          <a:p>
-            <a:r>
-              <a:rPr lang="zh-TW" altLang="en-US" dirty="0"/>
-              <a:t> </a:t>
-            </a:r>
-            <a:endParaRPr lang="zh-TW" altLang="en-US" sz="2400" dirty="0">
-              <a:latin typeface="微軟正黑體" panose="020B0604030504040204" pitchFamily="34" charset="-120"/>
-              <a:ea typeface="微軟正黑體" panose="020B0604030504040204" pitchFamily="34" charset="-120"/>
-            </a:endParaRPr>
+              <a:t>下執行</a:t>
+            </a:r>
           </a:p>
         </p:txBody>
       </p:sp>
     </p:spTree>
     <p:extLst>
       <p:ext uri="{BB962C8B-B14F-4D97-AF65-F5344CB8AC3E}">
-        <p14:creationId xmlns:p14="http://schemas.microsoft.com/office/powerpoint/2010/main" val="1674841051"/>
+        <p14:creationId xmlns:p14="http://schemas.microsoft.com/office/powerpoint/2010/main" val="1280020958"/>
       </p:ext>
     </p:extLst>
   </p:cSld>
@@ -4315,6 +4253,226 @@
         </p:nvSpPr>
         <p:spPr>
           <a:xfrm>
+            <a:off x="704218" y="749216"/>
+            <a:ext cx="5008828" cy="1015663"/>
+          </a:xfrm>
+          <a:prstGeom prst="rect">
+            <a:avLst/>
+          </a:prstGeom>
+          <a:noFill/>
+        </p:spPr>
+        <p:txBody>
+          <a:bodyPr wrap="square" rtlCol="0">
+            <a:spAutoFit/>
+          </a:bodyPr>
+          <a:lstStyle/>
+          <a:p>
+            <a:r>
+              <a:rPr lang="en-US" altLang="zh-TW" sz="6000" b="1" dirty="0">
+                <a:latin typeface="微軟正黑體" panose="020B0604030504040204" pitchFamily="34" charset="-120"/>
+                <a:ea typeface="微軟正黑體" panose="020B0604030504040204" pitchFamily="34" charset="-120"/>
+              </a:rPr>
+              <a:t>All Together!</a:t>
+            </a:r>
+            <a:endParaRPr lang="zh-TW" altLang="en-US" sz="6000" b="1" dirty="0">
+              <a:latin typeface="微軟正黑體" panose="020B0604030504040204" pitchFamily="34" charset="-120"/>
+              <a:ea typeface="微軟正黑體" panose="020B0604030504040204" pitchFamily="34" charset="-120"/>
+            </a:endParaRPr>
+          </a:p>
+        </p:txBody>
+      </p:sp>
+      <p:sp>
+        <p:nvSpPr>
+          <p:cNvPr id="3" name="文字方塊 2">
+            <a:extLst>
+              <a:ext uri="{FF2B5EF4-FFF2-40B4-BE49-F238E27FC236}">
+                <a16:creationId xmlns:a16="http://schemas.microsoft.com/office/drawing/2014/main" id="{D4AA29EA-679E-4682-8A6F-EA6E93A4F17E}"/>
+              </a:ext>
+            </a:extLst>
+          </p:cNvPr>
+          <p:cNvSpPr txBox="1"/>
+          <p:nvPr/>
+        </p:nvSpPr>
+        <p:spPr>
+          <a:xfrm>
+            <a:off x="1029126" y="2176617"/>
+            <a:ext cx="11584904" cy="3932167"/>
+          </a:xfrm>
+          <a:prstGeom prst="rect">
+            <a:avLst/>
+          </a:prstGeom>
+          <a:noFill/>
+        </p:spPr>
+        <p:txBody>
+          <a:bodyPr wrap="square" rtlCol="0">
+            <a:spAutoFit/>
+          </a:bodyPr>
+          <a:lstStyle/>
+          <a:p>
+            <a:pPr>
+              <a:lnSpc>
+                <a:spcPct val="150000"/>
+              </a:lnSpc>
+            </a:pPr>
+            <a:r>
+              <a:rPr lang="zh-TW" altLang="en-US" sz="3400" dirty="0">
+                <a:latin typeface="微軟正黑體" panose="020B0604030504040204" pitchFamily="34" charset="-120"/>
+                <a:ea typeface="微軟正黑體" panose="020B0604030504040204" pitchFamily="34" charset="-120"/>
+              </a:rPr>
+              <a:t>針對開發進行</a:t>
+            </a:r>
+            <a:r>
+              <a:rPr lang="zh-TW" altLang="en-US" sz="3400" dirty="0">
+                <a:solidFill>
+                  <a:srgbClr val="FF0000"/>
+                </a:solidFill>
+                <a:latin typeface="微軟正黑體" panose="020B0604030504040204" pitchFamily="34" charset="-120"/>
+                <a:ea typeface="微軟正黑體" panose="020B0604030504040204" pitchFamily="34" charset="-120"/>
+              </a:rPr>
+              <a:t>自動化的系統性分析</a:t>
+            </a:r>
+            <a:r>
+              <a:rPr lang="zh-TW" altLang="en-US" sz="3400" dirty="0">
+                <a:latin typeface="微軟正黑體" panose="020B0604030504040204" pitchFamily="34" charset="-120"/>
+                <a:ea typeface="微軟正黑體" panose="020B0604030504040204" pitchFamily="34" charset="-120"/>
+              </a:rPr>
+              <a:t>並進行</a:t>
+            </a:r>
+            <a:r>
+              <a:rPr lang="zh-TW" altLang="en-US" sz="3400" dirty="0">
+                <a:solidFill>
+                  <a:srgbClr val="FF0000"/>
+                </a:solidFill>
+                <a:latin typeface="微軟正黑體" panose="020B0604030504040204" pitchFamily="34" charset="-120"/>
+                <a:ea typeface="微軟正黑體" panose="020B0604030504040204" pitchFamily="34" charset="-120"/>
+              </a:rPr>
+              <a:t>風險評估</a:t>
+            </a:r>
+            <a:endParaRPr lang="en-US" altLang="zh-TW" sz="3400" dirty="0">
+              <a:solidFill>
+                <a:srgbClr val="FF0000"/>
+              </a:solidFill>
+              <a:latin typeface="微軟正黑體" panose="020B0604030504040204" pitchFamily="34" charset="-120"/>
+              <a:ea typeface="微軟正黑體" panose="020B0604030504040204" pitchFamily="34" charset="-120"/>
+            </a:endParaRPr>
+          </a:p>
+          <a:p>
+            <a:pPr marL="342900" indent="-342900">
+              <a:lnSpc>
+                <a:spcPct val="150000"/>
+              </a:lnSpc>
+              <a:buFont typeface="Arial" panose="020B0604020202020204" pitchFamily="34" charset="0"/>
+              <a:buChar char="•"/>
+            </a:pPr>
+            <a:r>
+              <a:rPr lang="zh-TW" altLang="en-US" sz="3400" dirty="0">
+                <a:latin typeface="微軟正黑體" panose="020B0604030504040204" pitchFamily="34" charset="-120"/>
+                <a:ea typeface="微軟正黑體" panose="020B0604030504040204" pitchFamily="34" charset="-120"/>
+              </a:rPr>
+              <a:t>風險套件管理</a:t>
+            </a:r>
+            <a:endParaRPr lang="en-US" altLang="zh-TW" sz="3400" dirty="0">
+              <a:latin typeface="微軟正黑體" panose="020B0604030504040204" pitchFamily="34" charset="-120"/>
+              <a:ea typeface="微軟正黑體" panose="020B0604030504040204" pitchFamily="34" charset="-120"/>
+            </a:endParaRPr>
+          </a:p>
+          <a:p>
+            <a:pPr marL="342900" indent="-342900">
+              <a:lnSpc>
+                <a:spcPct val="150000"/>
+              </a:lnSpc>
+              <a:buFont typeface="Arial" panose="020B0604020202020204" pitchFamily="34" charset="0"/>
+              <a:buChar char="•"/>
+            </a:pPr>
+            <a:r>
+              <a:rPr lang="zh-TW" altLang="en-US" sz="3400" dirty="0">
+                <a:latin typeface="微軟正黑體" panose="020B0604030504040204" pitchFamily="34" charset="-120"/>
+                <a:ea typeface="微軟正黑體" panose="020B0604030504040204" pitchFamily="34" charset="-120"/>
+              </a:rPr>
+              <a:t>自動化風險評估</a:t>
+            </a:r>
+            <a:endParaRPr lang="en-US" altLang="zh-TW" sz="3400" dirty="0">
+              <a:latin typeface="微軟正黑體" panose="020B0604030504040204" pitchFamily="34" charset="-120"/>
+              <a:ea typeface="微軟正黑體" panose="020B0604030504040204" pitchFamily="34" charset="-120"/>
+            </a:endParaRPr>
+          </a:p>
+          <a:p>
+            <a:pPr marL="342900" indent="-342900">
+              <a:lnSpc>
+                <a:spcPct val="150000"/>
+              </a:lnSpc>
+              <a:buFont typeface="Arial" panose="020B0604020202020204" pitchFamily="34" charset="0"/>
+              <a:buChar char="•"/>
+            </a:pPr>
+            <a:r>
+              <a:rPr lang="zh-TW" altLang="en-US" sz="3400" dirty="0">
+                <a:latin typeface="微軟正黑體" panose="020B0604030504040204" pitchFamily="34" charset="-120"/>
+                <a:ea typeface="微軟正黑體" panose="020B0604030504040204" pitchFamily="34" charset="-120"/>
+              </a:rPr>
+              <a:t>根據需求來評估企業價值來動態生成相關建議</a:t>
+            </a:r>
+          </a:p>
+          <a:p>
+            <a:pPr>
+              <a:lnSpc>
+                <a:spcPct val="150000"/>
+              </a:lnSpc>
+            </a:pPr>
+            <a:r>
+              <a:rPr lang="zh-TW" altLang="en-US" sz="3400" dirty="0"/>
+              <a:t> </a:t>
+            </a:r>
+            <a:endParaRPr lang="zh-TW" altLang="en-US" sz="3400" dirty="0">
+              <a:latin typeface="微軟正黑體" panose="020B0604030504040204" pitchFamily="34" charset="-120"/>
+              <a:ea typeface="微軟正黑體" panose="020B0604030504040204" pitchFamily="34" charset="-120"/>
+            </a:endParaRPr>
+          </a:p>
+        </p:txBody>
+      </p:sp>
+    </p:spTree>
+    <p:extLst>
+      <p:ext uri="{BB962C8B-B14F-4D97-AF65-F5344CB8AC3E}">
+        <p14:creationId xmlns:p14="http://schemas.microsoft.com/office/powerpoint/2010/main" val="1674841051"/>
+      </p:ext>
+    </p:extLst>
+  </p:cSld>
+  <p:clrMapOvr>
+    <a:masterClrMapping/>
+  </p:clrMapOvr>
+</p:sld>
+</file>
+
+<file path=ppt/slides/slide13.xml><?xml version="1.0" encoding="utf-8"?>
+<p:sld xmlns:a="http://schemas.openxmlformats.org/drawingml/2006/main" xmlns:r="http://schemas.openxmlformats.org/officeDocument/2006/relationships" xmlns:p="http://schemas.openxmlformats.org/presentationml/2006/main">
+  <p:cSld>
+    <p:spTree>
+      <p:nvGrpSpPr>
+        <p:cNvPr id="1" name=""/>
+        <p:cNvGrpSpPr/>
+        <p:nvPr/>
+      </p:nvGrpSpPr>
+      <p:grpSpPr>
+        <a:xfrm>
+          <a:off x="0" y="0"/>
+          <a:ext cx="0" cy="0"/>
+          <a:chOff x="0" y="0"/>
+          <a:chExt cx="0" cy="0"/>
+        </a:xfrm>
+      </p:grpSpPr>
+      <p:sp>
+        <p:nvSpPr>
+          <p:cNvPr id="2" name="文字方塊 1">
+            <a:extLst>
+              <a:ext uri="{FF2B5EF4-FFF2-40B4-BE49-F238E27FC236}">
+                <a16:creationId xmlns:a16="http://schemas.microsoft.com/office/drawing/2014/main" id="{B4AB42E0-7A8E-4DA9-B525-041E31E1F55D}"/>
+              </a:ext>
+            </a:extLst>
+          </p:cNvPr>
+          <p:cNvSpPr txBox="1"/>
+          <p:nvPr/>
+        </p:nvSpPr>
+        <p:spPr>
+          <a:xfrm>
             <a:off x="586988" y="591994"/>
             <a:ext cx="3398860" cy="1015663"/>
           </a:xfrm>
@@ -4334,7 +4492,7 @@
                 <a:latin typeface="微軟正黑體" panose="020B0604030504040204" pitchFamily="34" charset="-120"/>
                 <a:ea typeface="微軟正黑體" panose="020B0604030504040204" pitchFamily="34" charset="-120"/>
               </a:rPr>
-              <a:t>實際架構</a:t>
+              <a:t>相關架構</a:t>
             </a:r>
           </a:p>
         </p:txBody>
@@ -4388,78 +4546,6 @@
 </p:sld>
 </file>
 
-<file path=ppt/slides/slide13.xml><?xml version="1.0" encoding="utf-8"?>
-<p:sld xmlns:a="http://schemas.openxmlformats.org/drawingml/2006/main" xmlns:r="http://schemas.openxmlformats.org/officeDocument/2006/relationships" xmlns:p="http://schemas.openxmlformats.org/presentationml/2006/main">
-  <p:cSld>
-    <p:spTree>
-      <p:nvGrpSpPr>
-        <p:cNvPr id="1" name=""/>
-        <p:cNvGrpSpPr/>
-        <p:nvPr/>
-      </p:nvGrpSpPr>
-      <p:grpSpPr>
-        <a:xfrm>
-          <a:off x="0" y="0"/>
-          <a:ext cx="0" cy="0"/>
-          <a:chOff x="0" y="0"/>
-          <a:chExt cx="0" cy="0"/>
-        </a:xfrm>
-      </p:grpSpPr>
-      <p:sp>
-        <p:nvSpPr>
-          <p:cNvPr id="2" name="文字方塊 1">
-            <a:extLst>
-              <a:ext uri="{FF2B5EF4-FFF2-40B4-BE49-F238E27FC236}">
-                <a16:creationId xmlns:a16="http://schemas.microsoft.com/office/drawing/2014/main" id="{B4AB42E0-7A8E-4DA9-B525-041E31E1F55D}"/>
-              </a:ext>
-            </a:extLst>
-          </p:cNvPr>
-          <p:cNvSpPr txBox="1"/>
-          <p:nvPr/>
-        </p:nvSpPr>
-        <p:spPr>
-          <a:xfrm>
-            <a:off x="594803" y="639800"/>
-            <a:ext cx="2562612" cy="1015663"/>
-          </a:xfrm>
-          <a:prstGeom prst="rect">
-            <a:avLst/>
-          </a:prstGeom>
-          <a:noFill/>
-        </p:spPr>
-        <p:txBody>
-          <a:bodyPr wrap="square" rtlCol="0">
-            <a:spAutoFit/>
-          </a:bodyPr>
-          <a:lstStyle/>
-          <a:p>
-            <a:r>
-              <a:rPr lang="en-US" altLang="zh-TW" sz="6000" b="1" dirty="0">
-                <a:latin typeface="微軟正黑體" panose="020B0604030504040204" pitchFamily="34" charset="-120"/>
-                <a:ea typeface="微軟正黑體" panose="020B0604030504040204" pitchFamily="34" charset="-120"/>
-              </a:rPr>
-              <a:t>Demo</a:t>
-            </a:r>
-            <a:endParaRPr lang="zh-TW" altLang="en-US" sz="6000" b="1" dirty="0">
-              <a:latin typeface="微軟正黑體" panose="020B0604030504040204" pitchFamily="34" charset="-120"/>
-              <a:ea typeface="微軟正黑體" panose="020B0604030504040204" pitchFamily="34" charset="-120"/>
-            </a:endParaRPr>
-          </a:p>
-        </p:txBody>
-      </p:sp>
-    </p:spTree>
-    <p:extLst>
-      <p:ext uri="{BB962C8B-B14F-4D97-AF65-F5344CB8AC3E}">
-        <p14:creationId xmlns:p14="http://schemas.microsoft.com/office/powerpoint/2010/main" val="1498528672"/>
-      </p:ext>
-    </p:extLst>
-  </p:cSld>
-  <p:clrMapOvr>
-    <a:masterClrMapping/>
-  </p:clrMapOvr>
-</p:sld>
-</file>
-
 <file path=ppt/slides/slide14.xml><?xml version="1.0" encoding="utf-8"?>
 <p:sld xmlns:a="http://schemas.openxmlformats.org/drawingml/2006/main" xmlns:r="http://schemas.openxmlformats.org/officeDocument/2006/relationships" xmlns:p="http://schemas.openxmlformats.org/presentationml/2006/main">
   <p:cSld>
@@ -4491,6 +4577,78 @@
         </p:nvSpPr>
         <p:spPr>
           <a:xfrm>
+            <a:off x="594803" y="639800"/>
+            <a:ext cx="2562612" cy="1015663"/>
+          </a:xfrm>
+          <a:prstGeom prst="rect">
+            <a:avLst/>
+          </a:prstGeom>
+          <a:noFill/>
+        </p:spPr>
+        <p:txBody>
+          <a:bodyPr wrap="square" rtlCol="0">
+            <a:spAutoFit/>
+          </a:bodyPr>
+          <a:lstStyle/>
+          <a:p>
+            <a:r>
+              <a:rPr lang="en-US" altLang="zh-TW" sz="6000" b="1" dirty="0">
+                <a:latin typeface="微軟正黑體" panose="020B0604030504040204" pitchFamily="34" charset="-120"/>
+                <a:ea typeface="微軟正黑體" panose="020B0604030504040204" pitchFamily="34" charset="-120"/>
+              </a:rPr>
+              <a:t>Demo</a:t>
+            </a:r>
+            <a:endParaRPr lang="zh-TW" altLang="en-US" sz="6000" b="1" dirty="0">
+              <a:latin typeface="微軟正黑體" panose="020B0604030504040204" pitchFamily="34" charset="-120"/>
+              <a:ea typeface="微軟正黑體" panose="020B0604030504040204" pitchFamily="34" charset="-120"/>
+            </a:endParaRPr>
+          </a:p>
+        </p:txBody>
+      </p:sp>
+    </p:spTree>
+    <p:extLst>
+      <p:ext uri="{BB962C8B-B14F-4D97-AF65-F5344CB8AC3E}">
+        <p14:creationId xmlns:p14="http://schemas.microsoft.com/office/powerpoint/2010/main" val="1498528672"/>
+      </p:ext>
+    </p:extLst>
+  </p:cSld>
+  <p:clrMapOvr>
+    <a:masterClrMapping/>
+  </p:clrMapOvr>
+</p:sld>
+</file>
+
+<file path=ppt/slides/slide15.xml><?xml version="1.0" encoding="utf-8"?>
+<p:sld xmlns:a="http://schemas.openxmlformats.org/drawingml/2006/main" xmlns:r="http://schemas.openxmlformats.org/officeDocument/2006/relationships" xmlns:p="http://schemas.openxmlformats.org/presentationml/2006/main">
+  <p:cSld>
+    <p:spTree>
+      <p:nvGrpSpPr>
+        <p:cNvPr id="1" name=""/>
+        <p:cNvGrpSpPr/>
+        <p:nvPr/>
+      </p:nvGrpSpPr>
+      <p:grpSpPr>
+        <a:xfrm>
+          <a:off x="0" y="0"/>
+          <a:ext cx="0" cy="0"/>
+          <a:chOff x="0" y="0"/>
+          <a:chExt cx="0" cy="0"/>
+        </a:xfrm>
+      </p:grpSpPr>
+      <p:sp>
+        <p:nvSpPr>
+          <p:cNvPr id="2" name="文字方塊 1">
+            <a:extLst>
+              <a:ext uri="{FF2B5EF4-FFF2-40B4-BE49-F238E27FC236}">
+                <a16:creationId xmlns:a16="http://schemas.microsoft.com/office/drawing/2014/main" id="{B4AB42E0-7A8E-4DA9-B525-041E31E1F55D}"/>
+              </a:ext>
+            </a:extLst>
+          </p:cNvPr>
+          <p:cNvSpPr txBox="1"/>
+          <p:nvPr/>
+        </p:nvSpPr>
+        <p:spPr>
+          <a:xfrm>
             <a:off x="501019" y="694507"/>
             <a:ext cx="9552374" cy="1015663"/>
           </a:xfrm>
@@ -4532,7 +4690,7 @@
 </p:sld>
 </file>
 
-<file path=ppt/slides/slide15.xml><?xml version="1.0" encoding="utf-8"?>
+<file path=ppt/slides/slide16.xml><?xml version="1.0" encoding="utf-8"?>
 <p:sld xmlns:a="http://schemas.openxmlformats.org/drawingml/2006/main" xmlns:r="http://schemas.openxmlformats.org/officeDocument/2006/relationships" xmlns:p="http://schemas.openxmlformats.org/presentationml/2006/main">
   <p:cSld>
     <p:spTree>
@@ -5335,7 +5493,7 @@
         <p:spPr>
           <a:xfrm>
             <a:off x="618248" y="866448"/>
-            <a:ext cx="9552374" cy="1015663"/>
+            <a:ext cx="10885998" cy="1754326"/>
           </a:xfrm>
           <a:prstGeom prst="rect">
             <a:avLst/>
@@ -5349,12 +5507,22 @@
           <a:lstStyle/>
           <a:p>
             <a:r>
-              <a:rPr lang="zh-TW" altLang="en-US" sz="6000" b="1" dirty="0">
+              <a:rPr lang="zh-TW" altLang="en-US" sz="5400" b="1" dirty="0">
                 <a:latin typeface="微軟正黑體" panose="020B0604030504040204" pitchFamily="34" charset="-120"/>
                 <a:ea typeface="微軟正黑體" panose="020B0604030504040204" pitchFamily="34" charset="-120"/>
               </a:rPr>
               <a:t>機密資訊安全</a:t>
             </a:r>
+            <a:endParaRPr kumimoji="1" lang="en-US" altLang="zh-TW" sz="5400" dirty="0">
+              <a:latin typeface="微軟正黑體" panose="020B0604030504040204" pitchFamily="34" charset="-120"/>
+              <a:ea typeface="微軟正黑體" panose="020B0604030504040204" pitchFamily="34" charset="-120"/>
+            </a:endParaRPr>
+          </a:p>
+          <a:p>
+            <a:endParaRPr lang="zh-TW" altLang="en-US" sz="5400" b="1" dirty="0">
+              <a:latin typeface="微軟正黑體" panose="020B0604030504040204" pitchFamily="34" charset="-120"/>
+              <a:ea typeface="微軟正黑體" panose="020B0604030504040204" pitchFamily="34" charset="-120"/>
+            </a:endParaRPr>
           </a:p>
         </p:txBody>
       </p:sp>
@@ -5372,8 +5540,8 @@
         </p:nvSpPr>
         <p:spPr>
           <a:xfrm>
-            <a:off x="825623" y="2828835"/>
-            <a:ext cx="7466119" cy="1200329"/>
+            <a:off x="825622" y="2243015"/>
+            <a:ext cx="11311669" cy="3135538"/>
           </a:xfrm>
           <a:prstGeom prst="rect">
             <a:avLst/>
@@ -5386,56 +5554,110 @@
           </a:bodyPr>
           <a:lstStyle/>
           <a:p>
-            <a:r>
-              <a:rPr kumimoji="1" lang="en-US" altLang="zh-TW" sz="2400" dirty="0">
+            <a:pPr marL="342900" indent="-342900">
+              <a:lnSpc>
+                <a:spcPct val="150000"/>
+              </a:lnSpc>
+              <a:buFont typeface="Arial" panose="020B0604020202020204" pitchFamily="34" charset="0"/>
+              <a:buChar char="•"/>
+            </a:pPr>
+            <a:r>
+              <a:rPr lang="zh-TW" altLang="en-US" sz="3400" dirty="0">
                 <a:latin typeface="微軟正黑體" panose="020B0604030504040204" pitchFamily="34" charset="-120"/>
                 <a:ea typeface="微軟正黑體" panose="020B0604030504040204" pitchFamily="34" charset="-120"/>
               </a:rPr>
-              <a:t>Secrets Vault</a:t>
-            </a:r>
+              <a:t>機密資訊如金鑰、憑證，存放於遠端的安全硬體上</a:t>
+            </a:r>
+            <a:endParaRPr lang="en-US" altLang="zh-TW" sz="3400" dirty="0">
+              <a:latin typeface="微軟正黑體" panose="020B0604030504040204" pitchFamily="34" charset="-120"/>
+              <a:ea typeface="微軟正黑體" panose="020B0604030504040204" pitchFamily="34" charset="-120"/>
+            </a:endParaRPr>
           </a:p>
           <a:p>
             <a:pPr marL="342900" indent="-342900">
+              <a:lnSpc>
+                <a:spcPct val="150000"/>
+              </a:lnSpc>
               <a:buFont typeface="Arial" panose="020B0604020202020204" pitchFamily="34" charset="0"/>
               <a:buChar char="•"/>
             </a:pPr>
             <a:r>
-              <a:rPr lang="zh-TW" altLang="en-US" sz="2400" dirty="0">
+              <a:rPr lang="zh-TW" altLang="en-US" sz="3400" dirty="0">
                 <a:latin typeface="微軟正黑體" panose="020B0604030504040204" pitchFamily="34" charset="-120"/>
                 <a:ea typeface="微軟正黑體" panose="020B0604030504040204" pitchFamily="34" charset="-120"/>
               </a:rPr>
-              <a:t>儲存在 </a:t>
-            </a:r>
-            <a:r>
-              <a:rPr lang="en-US" altLang="zh-TW" sz="2400" dirty="0">
+              <a:t>需要敏感資料的程式與伺服器請求資訊</a:t>
+            </a:r>
+            <a:endParaRPr lang="en-US" altLang="zh-TW" sz="3400" dirty="0">
+              <a:latin typeface="微軟正黑體" panose="020B0604030504040204" pitchFamily="34" charset="-120"/>
+              <a:ea typeface="微軟正黑體" panose="020B0604030504040204" pitchFamily="34" charset="-120"/>
+            </a:endParaRPr>
+          </a:p>
+          <a:p>
+            <a:pPr marL="800100" lvl="1" indent="-342900">
+              <a:lnSpc>
+                <a:spcPct val="150000"/>
+              </a:lnSpc>
+              <a:buFont typeface="Arial" panose="020B0604020202020204" pitchFamily="34" charset="0"/>
+              <a:buChar char="•"/>
+            </a:pPr>
+            <a:r>
+              <a:rPr lang="zh-TW" altLang="en-US" sz="3400" dirty="0">
                 <a:latin typeface="微軟正黑體" panose="020B0604030504040204" pitchFamily="34" charset="-120"/>
                 <a:ea typeface="微軟正黑體" panose="020B0604030504040204" pitchFamily="34" charset="-120"/>
               </a:rPr>
-              <a:t>vault </a:t>
-            </a:r>
-            <a:r>
-              <a:rPr lang="zh-TW" altLang="en-US" sz="2400" dirty="0">
+              <a:t>藉此避免程式與環境內儲存機密資訊</a:t>
+            </a:r>
+            <a:endParaRPr lang="en-US" altLang="zh-TW" sz="3400" dirty="0">
+              <a:latin typeface="微軟正黑體" panose="020B0604030504040204" pitchFamily="34" charset="-120"/>
+              <a:ea typeface="微軟正黑體" panose="020B0604030504040204" pitchFamily="34" charset="-120"/>
+            </a:endParaRPr>
+          </a:p>
+          <a:p>
+            <a:pPr marL="342900" indent="-342900">
+              <a:lnSpc>
+                <a:spcPct val="150000"/>
+              </a:lnSpc>
+              <a:buFont typeface="Arial" panose="020B0604020202020204" pitchFamily="34" charset="0"/>
+              <a:buChar char="•"/>
+            </a:pPr>
+            <a:r>
+              <a:rPr lang="zh-TW" altLang="en-US" sz="3400" dirty="0">
                 <a:latin typeface="微軟正黑體" panose="020B0604030504040204" pitchFamily="34" charset="-120"/>
                 <a:ea typeface="微軟正黑體" panose="020B0604030504040204" pitchFamily="34" charset="-120"/>
               </a:rPr>
-              <a:t>內的資料都會經過加密</a:t>
-            </a:r>
-            <a:endParaRPr lang="en-US" altLang="zh-TW" sz="2400" dirty="0">
-              <a:latin typeface="微軟正黑體" panose="020B0604030504040204" pitchFamily="34" charset="-120"/>
-              <a:ea typeface="微軟正黑體" panose="020B0604030504040204" pitchFamily="34" charset="-120"/>
-            </a:endParaRPr>
-          </a:p>
-          <a:p>
-            <a:pPr marL="342900" indent="-342900">
-              <a:buFont typeface="Arial" panose="020B0604020202020204" pitchFamily="34" charset="0"/>
-              <a:buChar char="•"/>
-            </a:pPr>
-            <a:r>
-              <a:rPr lang="zh-TW" altLang="en-US" sz="2400" dirty="0">
+              <a:t>搭配</a:t>
+            </a:r>
+            <a:r>
+              <a:rPr lang="en-US" altLang="zh-TW" sz="3400" dirty="0">
                 <a:latin typeface="微軟正黑體" panose="020B0604030504040204" pitchFamily="34" charset="-120"/>
                 <a:ea typeface="微軟正黑體" panose="020B0604030504040204" pitchFamily="34" charset="-120"/>
               </a:rPr>
-              <a:t>動態產生憑證並且設定過期的期限</a:t>
+              <a:t>Secret Scanning</a:t>
+            </a:r>
+            <a:r>
+              <a:rPr lang="zh-TW" altLang="en-US" sz="3400" dirty="0">
+                <a:latin typeface="微軟正黑體" panose="020B0604030504040204" pitchFamily="34" charset="-120"/>
+                <a:ea typeface="微軟正黑體" panose="020B0604030504040204" pitchFamily="34" charset="-120"/>
+              </a:rPr>
+              <a:t>，</a:t>
+            </a:r>
+            <a:r>
+              <a:rPr lang="zh-TW" altLang="en-US" sz="3400" dirty="0">
+                <a:solidFill>
+                  <a:srgbClr val="FF0000"/>
+                </a:solidFill>
+                <a:latin typeface="微軟正黑體" panose="020B0604030504040204" pitchFamily="34" charset="-120"/>
+                <a:ea typeface="微軟正黑體" panose="020B0604030504040204" pitchFamily="34" charset="-120"/>
+              </a:rPr>
+              <a:t>主動掃描程式碼</a:t>
+            </a:r>
+            <a:r>
+              <a:rPr lang="zh-TW" altLang="en-US" sz="3400" dirty="0">
+                <a:latin typeface="微軟正黑體" panose="020B0604030504040204" pitchFamily="34" charset="-120"/>
+                <a:ea typeface="微軟正黑體" panose="020B0604030504040204" pitchFamily="34" charset="-120"/>
+              </a:rPr>
+              <a:t>並避免機密外洩</a:t>
             </a:r>
           </a:p>
         </p:txBody>
@@ -5485,7 +5707,7 @@
         <p:spPr>
           <a:xfrm>
             <a:off x="774557" y="866446"/>
-            <a:ext cx="4180397" cy="1015663"/>
+            <a:ext cx="8885258" cy="1015663"/>
           </a:xfrm>
           <a:prstGeom prst="rect">
             <a:avLst/>
@@ -5503,7 +5725,7 @@
                 <a:latin typeface="微軟正黑體" panose="020B0604030504040204" pitchFamily="34" charset="-120"/>
                 <a:ea typeface="微軟正黑體" panose="020B0604030504040204" pitchFamily="34" charset="-120"/>
               </a:rPr>
-              <a:t>原始碼安全</a:t>
+              <a:t>第三方套件安全</a:t>
             </a:r>
           </a:p>
         </p:txBody>
@@ -5522,8 +5744,8 @@
         </p:nvSpPr>
         <p:spPr>
           <a:xfrm>
-            <a:off x="958788" y="2940700"/>
-            <a:ext cx="7466119" cy="2308324"/>
+            <a:off x="958788" y="2407138"/>
+            <a:ext cx="10428227" cy="2362506"/>
           </a:xfrm>
           <a:prstGeom prst="rect">
             <a:avLst/>
@@ -5536,83 +5758,74 @@
           </a:bodyPr>
           <a:lstStyle/>
           <a:p>
-            <a:r>
-              <a:rPr kumimoji="1" lang="en-US" altLang="zh-TW" sz="2400" dirty="0">
+            <a:pPr marL="342900" indent="-342900">
+              <a:lnSpc>
+                <a:spcPct val="150000"/>
+              </a:lnSpc>
+              <a:buFont typeface="Arial" panose="020B0604020202020204" pitchFamily="34" charset="0"/>
+              <a:buChar char="•"/>
+            </a:pPr>
+            <a:r>
+              <a:rPr kumimoji="1" lang="zh-TW" altLang="en-US" sz="3400" dirty="0">
                 <a:latin typeface="微軟正黑體" panose="020B0604030504040204" pitchFamily="34" charset="-120"/>
                 <a:ea typeface="微軟正黑體" panose="020B0604030504040204" pitchFamily="34" charset="-120"/>
               </a:rPr>
-              <a:t>CI/CD </a:t>
-            </a:r>
-            <a:r>
-              <a:rPr kumimoji="1" lang="zh-TW" altLang="en-US" sz="2400" dirty="0">
+              <a:t>建立</a:t>
+            </a:r>
+            <a:r>
+              <a:rPr kumimoji="1" lang="zh-TW" altLang="en-US" sz="3400" dirty="0">
+                <a:solidFill>
+                  <a:srgbClr val="FF0000"/>
+                </a:solidFill>
                 <a:latin typeface="微軟正黑體" panose="020B0604030504040204" pitchFamily="34" charset="-120"/>
                 <a:ea typeface="微軟正黑體" panose="020B0604030504040204" pitchFamily="34" charset="-120"/>
               </a:rPr>
-              <a:t>結合自動化安全分析</a:t>
-            </a:r>
-            <a:endParaRPr kumimoji="1" lang="en-US" altLang="zh-TW" sz="2400" dirty="0">
+              <a:t>套件安全資料庫</a:t>
+            </a:r>
+            <a:endParaRPr kumimoji="1" lang="en-US" altLang="zh-TW" sz="3400" dirty="0">
+              <a:solidFill>
+                <a:srgbClr val="FF0000"/>
+              </a:solidFill>
               <a:latin typeface="微軟正黑體" panose="020B0604030504040204" pitchFamily="34" charset="-120"/>
               <a:ea typeface="微軟正黑體" panose="020B0604030504040204" pitchFamily="34" charset="-120"/>
             </a:endParaRPr>
           </a:p>
           <a:p>
-            <a:r>
-              <a:rPr kumimoji="1" lang="en-US" altLang="zh-TW" sz="2400" dirty="0">
+            <a:pPr marL="342900" indent="-342900">
+              <a:lnSpc>
+                <a:spcPct val="150000"/>
+              </a:lnSpc>
+              <a:buFont typeface="Arial" panose="020B0604020202020204" pitchFamily="34" charset="0"/>
+              <a:buChar char="•"/>
+            </a:pPr>
+            <a:r>
+              <a:rPr kumimoji="1" lang="zh-TW" altLang="en-US" sz="3400" dirty="0">
                 <a:latin typeface="微軟正黑體" panose="020B0604030504040204" pitchFamily="34" charset="-120"/>
                 <a:ea typeface="微軟正黑體" panose="020B0604030504040204" pitchFamily="34" charset="-120"/>
               </a:rPr>
-              <a:t>Third-party package coverage</a:t>
-            </a:r>
+              <a:t>主動追蹤不同第三方套件的程式碼覆蓋率</a:t>
+            </a:r>
+            <a:endParaRPr kumimoji="1" lang="en-US" altLang="zh-TW" sz="3400" dirty="0">
+              <a:latin typeface="微軟正黑體" panose="020B0604030504040204" pitchFamily="34" charset="-120"/>
+              <a:ea typeface="微軟正黑體" panose="020B0604030504040204" pitchFamily="34" charset="-120"/>
+            </a:endParaRPr>
           </a:p>
           <a:p>
             <a:pPr marL="342900" indent="-342900">
+              <a:lnSpc>
+                <a:spcPct val="150000"/>
+              </a:lnSpc>
               <a:buFont typeface="Arial" panose="020B0604020202020204" pitchFamily="34" charset="0"/>
               <a:buChar char="•"/>
             </a:pPr>
             <a:r>
-              <a:rPr kumimoji="1" lang="zh-TW" altLang="en-US" sz="2400" dirty="0">
+              <a:rPr kumimoji="1" lang="zh-TW" altLang="en-US" sz="3400" dirty="0">
                 <a:latin typeface="微軟正黑體" panose="020B0604030504040204" pitchFamily="34" charset="-120"/>
                 <a:ea typeface="微軟正黑體" panose="020B0604030504040204" pitchFamily="34" charset="-120"/>
               </a:rPr>
-              <a:t>計算各個第三方套件的程式碼覆蓋率</a:t>
-            </a:r>
-            <a:endParaRPr kumimoji="1" lang="en-US" altLang="zh-TW" sz="2400" dirty="0">
-              <a:latin typeface="微軟正黑體" panose="020B0604030504040204" pitchFamily="34" charset="-120"/>
-              <a:ea typeface="微軟正黑體" panose="020B0604030504040204" pitchFamily="34" charset="-120"/>
-            </a:endParaRPr>
-          </a:p>
-          <a:p>
-            <a:pPr marL="342900" indent="-342900">
-              <a:buFont typeface="Arial" panose="020B0604020202020204" pitchFamily="34" charset="0"/>
-              <a:buChar char="•"/>
-            </a:pPr>
-            <a:r>
-              <a:rPr kumimoji="1" lang="zh-TW" altLang="en-US" sz="2400" dirty="0">
-                <a:latin typeface="微軟正黑體" panose="020B0604030504040204" pitchFamily="34" charset="-120"/>
-                <a:ea typeface="微軟正黑體" panose="020B0604030504040204" pitchFamily="34" charset="-120"/>
-              </a:rPr>
-              <a:t>搭配上套件安全性</a:t>
-            </a:r>
-            <a:endParaRPr kumimoji="1" lang="en-US" altLang="zh-TW" sz="2400" dirty="0">
-              <a:latin typeface="微軟正黑體" panose="020B0604030504040204" pitchFamily="34" charset="-120"/>
-              <a:ea typeface="微軟正黑體" panose="020B0604030504040204" pitchFamily="34" charset="-120"/>
-            </a:endParaRPr>
-          </a:p>
-          <a:p>
-            <a:pPr marL="342900" indent="-342900">
-              <a:buFont typeface="Arial" panose="020B0604020202020204" pitchFamily="34" charset="0"/>
-              <a:buChar char="•"/>
-            </a:pPr>
-            <a:r>
-              <a:rPr kumimoji="1" lang="zh-TW" altLang="en-US" sz="2400" dirty="0">
-                <a:latin typeface="微軟正黑體" panose="020B0604030504040204" pitchFamily="34" charset="-120"/>
-                <a:ea typeface="微軟正黑體" panose="020B0604030504040204" pitchFamily="34" charset="-120"/>
-              </a:rPr>
-              <a:t>提供建議給開發人員哪個套件要先更新</a:t>
-            </a:r>
-          </a:p>
-          <a:p>
-            <a:endParaRPr lang="zh-TW" altLang="en-US" sz="2400" dirty="0"/>
+              <a:t>提供修正建議給開發人員</a:t>
+            </a:r>
+            <a:endParaRPr lang="zh-TW" altLang="en-US" sz="3400" dirty="0"/>
           </a:p>
         </p:txBody>
       </p:sp>
